--- a/images/nist-analytics-processes.pptx
+++ b/images/nist-analytics-processes.pptx
@@ -6,6 +6,7 @@
   </p:sldMasterIdLst>
   <p:sldIdLst>
     <p:sldId id="256" r:id="rId2"/>
+    <p:sldId id="257" r:id="rId3"/>
   </p:sldIdLst>
   <p:sldSz cx="12192000" cy="6858000"/>
   <p:notesSz cx="6858000" cy="9144000"/>
@@ -104,6 +105,11 @@
       </a:defRPr>
     </a:lvl9pPr>
   </p:defaultTextStyle>
+  <p:extLst>
+    <p:ext uri="{EFAFB233-063F-42B5-8137-9DF3F51BA10A}">
+      <p15:sldGuideLst xmlns:p15="http://schemas.microsoft.com/office/powerpoint/2012/main"/>
+    </p:ext>
+  </p:extLst>
 </p:presentation>
 </file>
 
@@ -254,7 +260,7 @@
           <a:p>
             <a:fld id="{E607E402-954E-9F42-8BF3-67420FC3E825}" type="datetimeFigureOut">
               <a:rPr lang="en-US" smtClean="0"/>
-              <a:t>3/22/22</a:t>
+              <a:t>2/13/23</a:t>
             </a:fld>
             <a:endParaRPr lang="en-US"/>
           </a:p>
@@ -452,7 +458,7 @@
           <a:p>
             <a:fld id="{E607E402-954E-9F42-8BF3-67420FC3E825}" type="datetimeFigureOut">
               <a:rPr lang="en-US" smtClean="0"/>
-              <a:t>3/22/22</a:t>
+              <a:t>2/13/23</a:t>
             </a:fld>
             <a:endParaRPr lang="en-US"/>
           </a:p>
@@ -660,7 +666,7 @@
           <a:p>
             <a:fld id="{E607E402-954E-9F42-8BF3-67420FC3E825}" type="datetimeFigureOut">
               <a:rPr lang="en-US" smtClean="0"/>
-              <a:t>3/22/22</a:t>
+              <a:t>2/13/23</a:t>
             </a:fld>
             <a:endParaRPr lang="en-US"/>
           </a:p>
@@ -858,7 +864,7 @@
           <a:p>
             <a:fld id="{E607E402-954E-9F42-8BF3-67420FC3E825}" type="datetimeFigureOut">
               <a:rPr lang="en-US" smtClean="0"/>
-              <a:t>3/22/22</a:t>
+              <a:t>2/13/23</a:t>
             </a:fld>
             <a:endParaRPr lang="en-US"/>
           </a:p>
@@ -1133,7 +1139,7 @@
           <a:p>
             <a:fld id="{E607E402-954E-9F42-8BF3-67420FC3E825}" type="datetimeFigureOut">
               <a:rPr lang="en-US" smtClean="0"/>
-              <a:t>3/22/22</a:t>
+              <a:t>2/13/23</a:t>
             </a:fld>
             <a:endParaRPr lang="en-US"/>
           </a:p>
@@ -1398,7 +1404,7 @@
           <a:p>
             <a:fld id="{E607E402-954E-9F42-8BF3-67420FC3E825}" type="datetimeFigureOut">
               <a:rPr lang="en-US" smtClean="0"/>
-              <a:t>3/22/22</a:t>
+              <a:t>2/13/23</a:t>
             </a:fld>
             <a:endParaRPr lang="en-US"/>
           </a:p>
@@ -1810,7 +1816,7 @@
           <a:p>
             <a:fld id="{E607E402-954E-9F42-8BF3-67420FC3E825}" type="datetimeFigureOut">
               <a:rPr lang="en-US" smtClean="0"/>
-              <a:t>3/22/22</a:t>
+              <a:t>2/13/23</a:t>
             </a:fld>
             <a:endParaRPr lang="en-US"/>
           </a:p>
@@ -1951,7 +1957,7 @@
           <a:p>
             <a:fld id="{E607E402-954E-9F42-8BF3-67420FC3E825}" type="datetimeFigureOut">
               <a:rPr lang="en-US" smtClean="0"/>
-              <a:t>3/22/22</a:t>
+              <a:t>2/13/23</a:t>
             </a:fld>
             <a:endParaRPr lang="en-US"/>
           </a:p>
@@ -2064,7 +2070,7 @@
           <a:p>
             <a:fld id="{E607E402-954E-9F42-8BF3-67420FC3E825}" type="datetimeFigureOut">
               <a:rPr lang="en-US" smtClean="0"/>
-              <a:t>3/22/22</a:t>
+              <a:t>2/13/23</a:t>
             </a:fld>
             <a:endParaRPr lang="en-US"/>
           </a:p>
@@ -2375,7 +2381,7 @@
           <a:p>
             <a:fld id="{E607E402-954E-9F42-8BF3-67420FC3E825}" type="datetimeFigureOut">
               <a:rPr lang="en-US" smtClean="0"/>
-              <a:t>3/22/22</a:t>
+              <a:t>2/13/23</a:t>
             </a:fld>
             <a:endParaRPr lang="en-US"/>
           </a:p>
@@ -2663,7 +2669,7 @@
           <a:p>
             <a:fld id="{E607E402-954E-9F42-8BF3-67420FC3E825}" type="datetimeFigureOut">
               <a:rPr lang="en-US" smtClean="0"/>
-              <a:t>3/22/22</a:t>
+              <a:t>2/13/23</a:t>
             </a:fld>
             <a:endParaRPr lang="en-US"/>
           </a:p>
@@ -2904,7 +2910,7 @@
           <a:p>
             <a:fld id="{E607E402-954E-9F42-8BF3-67420FC3E825}" type="datetimeFigureOut">
               <a:rPr lang="en-US" smtClean="0"/>
-              <a:t>3/22/22</a:t>
+              <a:t>2/13/23</a:t>
             </a:fld>
             <a:endParaRPr lang="en-US"/>
           </a:p>
@@ -4801,6 +4807,1490 @@
 </p:sld>
 </file>
 
+<file path=ppt/slides/slide2.xml><?xml version="1.0" encoding="utf-8"?>
+<p:sld xmlns:a="http://schemas.openxmlformats.org/drawingml/2006/main" xmlns:r="http://schemas.openxmlformats.org/officeDocument/2006/relationships" xmlns:p="http://schemas.openxmlformats.org/presentationml/2006/main">
+  <p:cSld>
+    <p:spTree>
+      <p:nvGrpSpPr>
+        <p:cNvPr id="1" name=""/>
+        <p:cNvGrpSpPr/>
+        <p:nvPr/>
+      </p:nvGrpSpPr>
+      <p:grpSpPr>
+        <a:xfrm>
+          <a:off x="0" y="0"/>
+          <a:ext cx="0" cy="0"/>
+          <a:chOff x="0" y="0"/>
+          <a:chExt cx="0" cy="0"/>
+        </a:xfrm>
+      </p:grpSpPr>
+      <p:sp>
+        <p:nvSpPr>
+          <p:cNvPr id="10" name="Left Bracket 9">
+            <a:extLst>
+              <a:ext uri="{FF2B5EF4-FFF2-40B4-BE49-F238E27FC236}">
+                <a16:creationId xmlns:a16="http://schemas.microsoft.com/office/drawing/2014/main" id="{C6C7AEE4-248A-6940-A952-0DE8B14F12A0}"/>
+              </a:ext>
+            </a:extLst>
+          </p:cNvPr>
+          <p:cNvSpPr/>
+          <p:nvPr/>
+        </p:nvSpPr>
+        <p:spPr>
+          <a:xfrm>
+            <a:off x="2010010" y="1088769"/>
+            <a:ext cx="346842" cy="3573518"/>
+          </a:xfrm>
+          <a:prstGeom prst="leftBracket">
+            <a:avLst/>
+          </a:prstGeom>
+          <a:ln w="38100"/>
+        </p:spPr>
+        <p:style>
+          <a:lnRef idx="3">
+            <a:schemeClr val="dk1"/>
+          </a:lnRef>
+          <a:fillRef idx="0">
+            <a:schemeClr val="dk1"/>
+          </a:fillRef>
+          <a:effectRef idx="2">
+            <a:schemeClr val="dk1"/>
+          </a:effectRef>
+          <a:fontRef idx="minor">
+            <a:schemeClr val="tx1"/>
+          </a:fontRef>
+        </p:style>
+        <p:txBody>
+          <a:bodyPr rtlCol="0" anchor="ctr"/>
+          <a:lstStyle/>
+          <a:p>
+            <a:pPr algn="ctr"/>
+            <a:endParaRPr lang="en-US" b="1"/>
+          </a:p>
+        </p:txBody>
+      </p:sp>
+      <p:cxnSp>
+        <p:nvCxnSpPr>
+          <p:cNvPr id="12" name="Straight Arrow Connector 11">
+            <a:extLst>
+              <a:ext uri="{FF2B5EF4-FFF2-40B4-BE49-F238E27FC236}">
+                <a16:creationId xmlns:a16="http://schemas.microsoft.com/office/drawing/2014/main" id="{04C66EAC-BE32-0E4F-BCDE-4CDF96DA8A5D}"/>
+              </a:ext>
+            </a:extLst>
+          </p:cNvPr>
+          <p:cNvCxnSpPr>
+            <a:stCxn id="8" idx="6"/>
+            <a:endCxn id="5" idx="2"/>
+          </p:cNvCxnSpPr>
+          <p:nvPr/>
+        </p:nvCxnSpPr>
+        <p:spPr>
+          <a:xfrm flipV="1">
+            <a:off x="1608202" y="2329132"/>
+            <a:ext cx="1098331" cy="457200"/>
+          </a:xfrm>
+          <a:prstGeom prst="straightConnector1">
+            <a:avLst/>
+          </a:prstGeom>
+          <a:ln w="38100">
+            <a:tailEnd type="triangle"/>
+          </a:ln>
+        </p:spPr>
+        <p:style>
+          <a:lnRef idx="3">
+            <a:schemeClr val="dk1"/>
+          </a:lnRef>
+          <a:fillRef idx="0">
+            <a:schemeClr val="dk1"/>
+          </a:fillRef>
+          <a:effectRef idx="2">
+            <a:schemeClr val="dk1"/>
+          </a:effectRef>
+          <a:fontRef idx="minor">
+            <a:schemeClr val="tx1"/>
+          </a:fontRef>
+        </p:style>
+      </p:cxnSp>
+      <p:cxnSp>
+        <p:nvCxnSpPr>
+          <p:cNvPr id="23" name="Elbow Connector 22">
+            <a:extLst>
+              <a:ext uri="{FF2B5EF4-FFF2-40B4-BE49-F238E27FC236}">
+                <a16:creationId xmlns:a16="http://schemas.microsoft.com/office/drawing/2014/main" id="{9045E35B-F065-8443-8F61-A88EDBCA6875}"/>
+              </a:ext>
+            </a:extLst>
+          </p:cNvPr>
+          <p:cNvCxnSpPr>
+            <a:cxnSpLocks/>
+            <a:stCxn id="18" idx="6"/>
+            <a:endCxn id="14" idx="2"/>
+          </p:cNvCxnSpPr>
+          <p:nvPr/>
+        </p:nvCxnSpPr>
+        <p:spPr>
+          <a:xfrm flipV="1">
+            <a:off x="5470754" y="1146718"/>
+            <a:ext cx="1098331" cy="1639614"/>
+          </a:xfrm>
+          <a:prstGeom prst="bentConnector3">
+            <a:avLst>
+              <a:gd name="adj1" fmla="val 50000"/>
+            </a:avLst>
+          </a:prstGeom>
+          <a:ln w="38100">
+            <a:headEnd type="triangle"/>
+            <a:tailEnd type="triangle"/>
+          </a:ln>
+        </p:spPr>
+        <p:style>
+          <a:lnRef idx="1">
+            <a:schemeClr val="accent1"/>
+          </a:lnRef>
+          <a:fillRef idx="0">
+            <a:schemeClr val="accent1"/>
+          </a:fillRef>
+          <a:effectRef idx="0">
+            <a:schemeClr val="accent1"/>
+          </a:effectRef>
+          <a:fontRef idx="minor">
+            <a:schemeClr val="tx1"/>
+          </a:fontRef>
+        </p:style>
+      </p:cxnSp>
+      <p:cxnSp>
+        <p:nvCxnSpPr>
+          <p:cNvPr id="26" name="Elbow Connector 25">
+            <a:extLst>
+              <a:ext uri="{FF2B5EF4-FFF2-40B4-BE49-F238E27FC236}">
+                <a16:creationId xmlns:a16="http://schemas.microsoft.com/office/drawing/2014/main" id="{B255E9A5-60C5-C84C-951A-DF5BFE8C9477}"/>
+              </a:ext>
+            </a:extLst>
+          </p:cNvPr>
+          <p:cNvCxnSpPr>
+            <a:cxnSpLocks/>
+            <a:endCxn id="16" idx="2"/>
+          </p:cNvCxnSpPr>
+          <p:nvPr/>
+        </p:nvCxnSpPr>
+        <p:spPr>
+          <a:xfrm>
+            <a:off x="5470754" y="2786332"/>
+            <a:ext cx="1098331" cy="725214"/>
+          </a:xfrm>
+          <a:prstGeom prst="bentConnector3">
+            <a:avLst>
+              <a:gd name="adj1" fmla="val 50000"/>
+            </a:avLst>
+          </a:prstGeom>
+          <a:ln w="38100">
+            <a:headEnd type="triangle"/>
+            <a:tailEnd type="triangle"/>
+          </a:ln>
+        </p:spPr>
+        <p:style>
+          <a:lnRef idx="1">
+            <a:schemeClr val="accent1"/>
+          </a:lnRef>
+          <a:fillRef idx="0">
+            <a:schemeClr val="accent1"/>
+          </a:fillRef>
+          <a:effectRef idx="0">
+            <a:schemeClr val="accent1"/>
+          </a:effectRef>
+          <a:fontRef idx="minor">
+            <a:schemeClr val="tx1"/>
+          </a:fontRef>
+        </p:style>
+      </p:cxnSp>
+      <p:cxnSp>
+        <p:nvCxnSpPr>
+          <p:cNvPr id="27" name="Elbow Connector 26">
+            <a:extLst>
+              <a:ext uri="{FF2B5EF4-FFF2-40B4-BE49-F238E27FC236}">
+                <a16:creationId xmlns:a16="http://schemas.microsoft.com/office/drawing/2014/main" id="{05EB7099-1C71-5644-9614-3B799D611303}"/>
+              </a:ext>
+            </a:extLst>
+          </p:cNvPr>
+          <p:cNvCxnSpPr>
+            <a:cxnSpLocks/>
+            <a:stCxn id="18" idx="6"/>
+            <a:endCxn id="15" idx="2"/>
+          </p:cNvCxnSpPr>
+          <p:nvPr/>
+        </p:nvCxnSpPr>
+        <p:spPr>
+          <a:xfrm flipV="1">
+            <a:off x="5470754" y="2329132"/>
+            <a:ext cx="1098331" cy="457200"/>
+          </a:xfrm>
+          <a:prstGeom prst="bentConnector3">
+            <a:avLst>
+              <a:gd name="adj1" fmla="val 50000"/>
+            </a:avLst>
+          </a:prstGeom>
+          <a:ln w="38100">
+            <a:headEnd type="triangle"/>
+            <a:tailEnd type="triangle"/>
+          </a:ln>
+        </p:spPr>
+        <p:style>
+          <a:lnRef idx="1">
+            <a:schemeClr val="accent1"/>
+          </a:lnRef>
+          <a:fillRef idx="0">
+            <a:schemeClr val="accent1"/>
+          </a:fillRef>
+          <a:effectRef idx="0">
+            <a:schemeClr val="accent1"/>
+          </a:effectRef>
+          <a:fontRef idx="minor">
+            <a:schemeClr val="tx1"/>
+          </a:fontRef>
+        </p:style>
+      </p:cxnSp>
+      <p:cxnSp>
+        <p:nvCxnSpPr>
+          <p:cNvPr id="28" name="Elbow Connector 27">
+            <a:extLst>
+              <a:ext uri="{FF2B5EF4-FFF2-40B4-BE49-F238E27FC236}">
+                <a16:creationId xmlns:a16="http://schemas.microsoft.com/office/drawing/2014/main" id="{5120B451-4841-A243-B830-FCAFD8FE6769}"/>
+              </a:ext>
+            </a:extLst>
+          </p:cNvPr>
+          <p:cNvCxnSpPr>
+            <a:cxnSpLocks/>
+            <a:stCxn id="18" idx="6"/>
+            <a:endCxn id="17" idx="2"/>
+          </p:cNvCxnSpPr>
+          <p:nvPr/>
+        </p:nvCxnSpPr>
+        <p:spPr>
+          <a:xfrm>
+            <a:off x="5470754" y="2786332"/>
+            <a:ext cx="1098331" cy="1907628"/>
+          </a:xfrm>
+          <a:prstGeom prst="bentConnector3">
+            <a:avLst>
+              <a:gd name="adj1" fmla="val 50000"/>
+            </a:avLst>
+          </a:prstGeom>
+          <a:ln w="38100">
+            <a:headEnd type="triangle"/>
+            <a:tailEnd type="triangle"/>
+          </a:ln>
+        </p:spPr>
+        <p:style>
+          <a:lnRef idx="1">
+            <a:schemeClr val="accent1"/>
+          </a:lnRef>
+          <a:fillRef idx="0">
+            <a:schemeClr val="accent1"/>
+          </a:fillRef>
+          <a:effectRef idx="0">
+            <a:schemeClr val="accent1"/>
+          </a:effectRef>
+          <a:fontRef idx="minor">
+            <a:schemeClr val="tx1"/>
+          </a:fontRef>
+        </p:style>
+      </p:cxnSp>
+      <p:sp>
+        <p:nvSpPr>
+          <p:cNvPr id="34" name="TextBox 33">
+            <a:extLst>
+              <a:ext uri="{FF2B5EF4-FFF2-40B4-BE49-F238E27FC236}">
+                <a16:creationId xmlns:a16="http://schemas.microsoft.com/office/drawing/2014/main" id="{FF67FB30-EEDB-634B-A25C-36A297686EC5}"/>
+              </a:ext>
+            </a:extLst>
+          </p:cNvPr>
+          <p:cNvSpPr txBox="1"/>
+          <p:nvPr/>
+        </p:nvSpPr>
+        <p:spPr>
+          <a:xfrm>
+            <a:off x="1487270" y="5491419"/>
+            <a:ext cx="1045479" cy="369332"/>
+          </a:xfrm>
+          <a:prstGeom prst="rect">
+            <a:avLst/>
+          </a:prstGeom>
+          <a:noFill/>
+        </p:spPr>
+        <p:txBody>
+          <a:bodyPr wrap="none" rtlCol="0">
+            <a:spAutoFit/>
+          </a:bodyPr>
+          <a:lstStyle/>
+          <a:p>
+            <a:r>
+              <a:rPr lang="en-US" dirty="0"/>
+              <a:t>Selection</a:t>
+            </a:r>
+          </a:p>
+        </p:txBody>
+      </p:sp>
+      <p:sp>
+        <p:nvSpPr>
+          <p:cNvPr id="35" name="TextBox 34">
+            <a:extLst>
+              <a:ext uri="{FF2B5EF4-FFF2-40B4-BE49-F238E27FC236}">
+                <a16:creationId xmlns:a16="http://schemas.microsoft.com/office/drawing/2014/main" id="{060304B8-BDE3-BA44-8B32-6FD7077D5104}"/>
+              </a:ext>
+            </a:extLst>
+          </p:cNvPr>
+          <p:cNvSpPr txBox="1"/>
+          <p:nvPr/>
+        </p:nvSpPr>
+        <p:spPr>
+          <a:xfrm>
+            <a:off x="5672645" y="5491419"/>
+            <a:ext cx="1353640" cy="369332"/>
+          </a:xfrm>
+          <a:prstGeom prst="rect">
+            <a:avLst/>
+          </a:prstGeom>
+          <a:noFill/>
+        </p:spPr>
+        <p:txBody>
+          <a:bodyPr wrap="none" rtlCol="0">
+            <a:spAutoFit/>
+          </a:bodyPr>
+          <a:lstStyle/>
+          <a:p>
+            <a:r>
+              <a:rPr lang="en-US" dirty="0"/>
+              <a:t>Competition</a:t>
+            </a:r>
+          </a:p>
+        </p:txBody>
+      </p:sp>
+      <p:sp>
+        <p:nvSpPr>
+          <p:cNvPr id="4" name="Oval 3">
+            <a:extLst>
+              <a:ext uri="{FF2B5EF4-FFF2-40B4-BE49-F238E27FC236}">
+                <a16:creationId xmlns:a16="http://schemas.microsoft.com/office/drawing/2014/main" id="{4A1B713E-CCDF-9E40-8D6E-4565266404FB}"/>
+              </a:ext>
+            </a:extLst>
+          </p:cNvPr>
+          <p:cNvSpPr/>
+          <p:nvPr/>
+        </p:nvSpPr>
+        <p:spPr>
+          <a:xfrm>
+            <a:off x="2706533" y="689518"/>
+            <a:ext cx="914400" cy="914400"/>
+          </a:xfrm>
+          <a:prstGeom prst="ellipse">
+            <a:avLst/>
+          </a:prstGeom>
+        </p:spPr>
+        <p:style>
+          <a:lnRef idx="1">
+            <a:schemeClr val="accent4"/>
+          </a:lnRef>
+          <a:fillRef idx="2">
+            <a:schemeClr val="accent4"/>
+          </a:fillRef>
+          <a:effectRef idx="1">
+            <a:schemeClr val="accent4"/>
+          </a:effectRef>
+          <a:fontRef idx="minor">
+            <a:schemeClr val="dk1"/>
+          </a:fontRef>
+        </p:style>
+        <p:txBody>
+          <a:bodyPr rtlCol="0" anchor="ctr"/>
+          <a:lstStyle/>
+          <a:p>
+            <a:pPr algn="ctr"/>
+            <a:r>
+              <a:rPr lang="en-US" b="1" dirty="0"/>
+              <a:t>A</a:t>
+            </a:r>
+          </a:p>
+        </p:txBody>
+      </p:sp>
+      <p:sp>
+        <p:nvSpPr>
+          <p:cNvPr id="5" name="Oval 4">
+            <a:extLst>
+              <a:ext uri="{FF2B5EF4-FFF2-40B4-BE49-F238E27FC236}">
+                <a16:creationId xmlns:a16="http://schemas.microsoft.com/office/drawing/2014/main" id="{912BFB0C-93E0-834C-B227-5C705D861D7A}"/>
+              </a:ext>
+            </a:extLst>
+          </p:cNvPr>
+          <p:cNvSpPr/>
+          <p:nvPr/>
+        </p:nvSpPr>
+        <p:spPr>
+          <a:xfrm>
+            <a:off x="2706533" y="1871932"/>
+            <a:ext cx="914400" cy="914400"/>
+          </a:xfrm>
+          <a:prstGeom prst="ellipse">
+            <a:avLst/>
+          </a:prstGeom>
+        </p:spPr>
+        <p:style>
+          <a:lnRef idx="1">
+            <a:schemeClr val="accent5"/>
+          </a:lnRef>
+          <a:fillRef idx="2">
+            <a:schemeClr val="accent5"/>
+          </a:fillRef>
+          <a:effectRef idx="1">
+            <a:schemeClr val="accent5"/>
+          </a:effectRef>
+          <a:fontRef idx="minor">
+            <a:schemeClr val="dk1"/>
+          </a:fontRef>
+        </p:style>
+        <p:txBody>
+          <a:bodyPr rtlCol="0" anchor="ctr"/>
+          <a:lstStyle/>
+          <a:p>
+            <a:pPr algn="ctr"/>
+            <a:r>
+              <a:rPr lang="en-US" b="1" dirty="0"/>
+              <a:t>B</a:t>
+            </a:r>
+          </a:p>
+        </p:txBody>
+      </p:sp>
+      <p:sp>
+        <p:nvSpPr>
+          <p:cNvPr id="6" name="Oval 5">
+            <a:extLst>
+              <a:ext uri="{FF2B5EF4-FFF2-40B4-BE49-F238E27FC236}">
+                <a16:creationId xmlns:a16="http://schemas.microsoft.com/office/drawing/2014/main" id="{517627B0-CE6F-A14D-A093-DB93814B1B19}"/>
+              </a:ext>
+            </a:extLst>
+          </p:cNvPr>
+          <p:cNvSpPr/>
+          <p:nvPr/>
+        </p:nvSpPr>
+        <p:spPr>
+          <a:xfrm>
+            <a:off x="2706533" y="3054346"/>
+            <a:ext cx="914400" cy="914400"/>
+          </a:xfrm>
+          <a:prstGeom prst="ellipse">
+            <a:avLst/>
+          </a:prstGeom>
+        </p:spPr>
+        <p:style>
+          <a:lnRef idx="1">
+            <a:schemeClr val="accent4"/>
+          </a:lnRef>
+          <a:fillRef idx="2">
+            <a:schemeClr val="accent4"/>
+          </a:fillRef>
+          <a:effectRef idx="1">
+            <a:schemeClr val="accent4"/>
+          </a:effectRef>
+          <a:fontRef idx="minor">
+            <a:schemeClr val="dk1"/>
+          </a:fontRef>
+        </p:style>
+        <p:txBody>
+          <a:bodyPr rtlCol="0" anchor="ctr"/>
+          <a:lstStyle/>
+          <a:p>
+            <a:pPr algn="ctr"/>
+            <a:r>
+              <a:rPr lang="en-US" b="1" dirty="0"/>
+              <a:t>C</a:t>
+            </a:r>
+          </a:p>
+        </p:txBody>
+      </p:sp>
+      <p:sp>
+        <p:nvSpPr>
+          <p:cNvPr id="7" name="Oval 6">
+            <a:extLst>
+              <a:ext uri="{FF2B5EF4-FFF2-40B4-BE49-F238E27FC236}">
+                <a16:creationId xmlns:a16="http://schemas.microsoft.com/office/drawing/2014/main" id="{719EB8CB-F1F9-3547-AB56-BC9B1290889C}"/>
+              </a:ext>
+            </a:extLst>
+          </p:cNvPr>
+          <p:cNvSpPr/>
+          <p:nvPr/>
+        </p:nvSpPr>
+        <p:spPr>
+          <a:xfrm>
+            <a:off x="2706533" y="4236760"/>
+            <a:ext cx="914400" cy="914400"/>
+          </a:xfrm>
+          <a:prstGeom prst="ellipse">
+            <a:avLst/>
+          </a:prstGeom>
+        </p:spPr>
+        <p:style>
+          <a:lnRef idx="1">
+            <a:schemeClr val="accent4"/>
+          </a:lnRef>
+          <a:fillRef idx="2">
+            <a:schemeClr val="accent4"/>
+          </a:fillRef>
+          <a:effectRef idx="1">
+            <a:schemeClr val="accent4"/>
+          </a:effectRef>
+          <a:fontRef idx="minor">
+            <a:schemeClr val="dk1"/>
+          </a:fontRef>
+        </p:style>
+        <p:txBody>
+          <a:bodyPr rtlCol="0" anchor="ctr"/>
+          <a:lstStyle/>
+          <a:p>
+            <a:pPr algn="ctr"/>
+            <a:r>
+              <a:rPr lang="en-US" b="1" dirty="0"/>
+              <a:t>D</a:t>
+            </a:r>
+          </a:p>
+        </p:txBody>
+      </p:sp>
+      <p:sp>
+        <p:nvSpPr>
+          <p:cNvPr id="8" name="Oval 7">
+            <a:extLst>
+              <a:ext uri="{FF2B5EF4-FFF2-40B4-BE49-F238E27FC236}">
+                <a16:creationId xmlns:a16="http://schemas.microsoft.com/office/drawing/2014/main" id="{38FCEEF2-6CBC-1D4C-BC68-3FDBFD9661CA}"/>
+              </a:ext>
+            </a:extLst>
+          </p:cNvPr>
+          <p:cNvSpPr/>
+          <p:nvPr/>
+        </p:nvSpPr>
+        <p:spPr>
+          <a:xfrm>
+            <a:off x="693802" y="2329132"/>
+            <a:ext cx="914400" cy="914400"/>
+          </a:xfrm>
+          <a:prstGeom prst="ellipse">
+            <a:avLst/>
+          </a:prstGeom>
+        </p:spPr>
+        <p:style>
+          <a:lnRef idx="1">
+            <a:schemeClr val="accent4"/>
+          </a:lnRef>
+          <a:fillRef idx="2">
+            <a:schemeClr val="accent4"/>
+          </a:fillRef>
+          <a:effectRef idx="1">
+            <a:schemeClr val="accent4"/>
+          </a:effectRef>
+          <a:fontRef idx="minor">
+            <a:schemeClr val="dk1"/>
+          </a:fontRef>
+        </p:style>
+        <p:txBody>
+          <a:bodyPr rtlCol="0" anchor="ctr"/>
+          <a:lstStyle/>
+          <a:p>
+            <a:pPr algn="ctr"/>
+            <a:r>
+              <a:rPr lang="en-US" b="1" dirty="0"/>
+              <a:t>U</a:t>
+            </a:r>
+            <a:r>
+              <a:rPr lang="en-US" b="1" baseline="-25000" dirty="0"/>
+              <a:t>1..n</a:t>
+            </a:r>
+            <a:endParaRPr lang="en-US" b="1" dirty="0"/>
+          </a:p>
+        </p:txBody>
+      </p:sp>
+      <p:sp>
+        <p:nvSpPr>
+          <p:cNvPr id="14" name="Oval 13">
+            <a:extLst>
+              <a:ext uri="{FF2B5EF4-FFF2-40B4-BE49-F238E27FC236}">
+                <a16:creationId xmlns:a16="http://schemas.microsoft.com/office/drawing/2014/main" id="{73C72C69-DD27-4949-9CBD-7D8DDBF3F17B}"/>
+              </a:ext>
+            </a:extLst>
+          </p:cNvPr>
+          <p:cNvSpPr/>
+          <p:nvPr/>
+        </p:nvSpPr>
+        <p:spPr>
+          <a:xfrm>
+            <a:off x="6569085" y="689518"/>
+            <a:ext cx="914400" cy="914400"/>
+          </a:xfrm>
+          <a:prstGeom prst="ellipse">
+            <a:avLst/>
+          </a:prstGeom>
+        </p:spPr>
+        <p:style>
+          <a:lnRef idx="1">
+            <a:schemeClr val="accent5"/>
+          </a:lnRef>
+          <a:fillRef idx="2">
+            <a:schemeClr val="accent5"/>
+          </a:fillRef>
+          <a:effectRef idx="1">
+            <a:schemeClr val="accent5"/>
+          </a:effectRef>
+          <a:fontRef idx="minor">
+            <a:schemeClr val="dk1"/>
+          </a:fontRef>
+        </p:style>
+        <p:txBody>
+          <a:bodyPr rtlCol="0" anchor="ctr"/>
+          <a:lstStyle/>
+          <a:p>
+            <a:pPr algn="ctr"/>
+            <a:r>
+              <a:rPr lang="en-US" b="1" dirty="0"/>
+              <a:t>A</a:t>
+            </a:r>
+          </a:p>
+        </p:txBody>
+      </p:sp>
+      <p:sp>
+        <p:nvSpPr>
+          <p:cNvPr id="15" name="Oval 14">
+            <a:extLst>
+              <a:ext uri="{FF2B5EF4-FFF2-40B4-BE49-F238E27FC236}">
+                <a16:creationId xmlns:a16="http://schemas.microsoft.com/office/drawing/2014/main" id="{9C022FF6-8FC3-2B41-8088-22E65BD06DE0}"/>
+              </a:ext>
+            </a:extLst>
+          </p:cNvPr>
+          <p:cNvSpPr/>
+          <p:nvPr/>
+        </p:nvSpPr>
+        <p:spPr>
+          <a:xfrm>
+            <a:off x="6569085" y="1871932"/>
+            <a:ext cx="914400" cy="914400"/>
+          </a:xfrm>
+          <a:prstGeom prst="ellipse">
+            <a:avLst/>
+          </a:prstGeom>
+        </p:spPr>
+        <p:style>
+          <a:lnRef idx="1">
+            <a:schemeClr val="accent5"/>
+          </a:lnRef>
+          <a:fillRef idx="2">
+            <a:schemeClr val="accent5"/>
+          </a:fillRef>
+          <a:effectRef idx="1">
+            <a:schemeClr val="accent5"/>
+          </a:effectRef>
+          <a:fontRef idx="minor">
+            <a:schemeClr val="dk1"/>
+          </a:fontRef>
+        </p:style>
+        <p:txBody>
+          <a:bodyPr rtlCol="0" anchor="ctr"/>
+          <a:lstStyle/>
+          <a:p>
+            <a:pPr algn="ctr"/>
+            <a:r>
+              <a:rPr lang="en-US" b="1" dirty="0"/>
+              <a:t>B</a:t>
+            </a:r>
+          </a:p>
+        </p:txBody>
+      </p:sp>
+      <p:sp>
+        <p:nvSpPr>
+          <p:cNvPr id="16" name="Oval 15">
+            <a:extLst>
+              <a:ext uri="{FF2B5EF4-FFF2-40B4-BE49-F238E27FC236}">
+                <a16:creationId xmlns:a16="http://schemas.microsoft.com/office/drawing/2014/main" id="{67433A7E-0A40-754B-B22B-3B0FA078AACF}"/>
+              </a:ext>
+            </a:extLst>
+          </p:cNvPr>
+          <p:cNvSpPr/>
+          <p:nvPr/>
+        </p:nvSpPr>
+        <p:spPr>
+          <a:xfrm>
+            <a:off x="6569085" y="3054346"/>
+            <a:ext cx="914400" cy="914400"/>
+          </a:xfrm>
+          <a:prstGeom prst="ellipse">
+            <a:avLst/>
+          </a:prstGeom>
+        </p:spPr>
+        <p:style>
+          <a:lnRef idx="1">
+            <a:schemeClr val="accent5"/>
+          </a:lnRef>
+          <a:fillRef idx="2">
+            <a:schemeClr val="accent5"/>
+          </a:fillRef>
+          <a:effectRef idx="1">
+            <a:schemeClr val="accent5"/>
+          </a:effectRef>
+          <a:fontRef idx="minor">
+            <a:schemeClr val="dk1"/>
+          </a:fontRef>
+        </p:style>
+        <p:txBody>
+          <a:bodyPr rtlCol="0" anchor="ctr"/>
+          <a:lstStyle/>
+          <a:p>
+            <a:pPr algn="ctr"/>
+            <a:r>
+              <a:rPr lang="en-US" b="1" dirty="0"/>
+              <a:t>C</a:t>
+            </a:r>
+          </a:p>
+        </p:txBody>
+      </p:sp>
+      <p:sp>
+        <p:nvSpPr>
+          <p:cNvPr id="17" name="Oval 16">
+            <a:extLst>
+              <a:ext uri="{FF2B5EF4-FFF2-40B4-BE49-F238E27FC236}">
+                <a16:creationId xmlns:a16="http://schemas.microsoft.com/office/drawing/2014/main" id="{014B57B4-0719-BC48-9A10-6CC7923C20FC}"/>
+              </a:ext>
+            </a:extLst>
+          </p:cNvPr>
+          <p:cNvSpPr/>
+          <p:nvPr/>
+        </p:nvSpPr>
+        <p:spPr>
+          <a:xfrm>
+            <a:off x="6569085" y="4236760"/>
+            <a:ext cx="914400" cy="914400"/>
+          </a:xfrm>
+          <a:prstGeom prst="ellipse">
+            <a:avLst/>
+          </a:prstGeom>
+        </p:spPr>
+        <p:style>
+          <a:lnRef idx="1">
+            <a:schemeClr val="accent5"/>
+          </a:lnRef>
+          <a:fillRef idx="2">
+            <a:schemeClr val="accent5"/>
+          </a:fillRef>
+          <a:effectRef idx="1">
+            <a:schemeClr val="accent5"/>
+          </a:effectRef>
+          <a:fontRef idx="minor">
+            <a:schemeClr val="dk1"/>
+          </a:fontRef>
+        </p:style>
+        <p:txBody>
+          <a:bodyPr rtlCol="0" anchor="ctr"/>
+          <a:lstStyle/>
+          <a:p>
+            <a:pPr algn="ctr"/>
+            <a:r>
+              <a:rPr lang="en-US" b="1" dirty="0"/>
+              <a:t>D</a:t>
+            </a:r>
+          </a:p>
+        </p:txBody>
+      </p:sp>
+      <p:sp>
+        <p:nvSpPr>
+          <p:cNvPr id="18" name="Oval 17">
+            <a:extLst>
+              <a:ext uri="{FF2B5EF4-FFF2-40B4-BE49-F238E27FC236}">
+                <a16:creationId xmlns:a16="http://schemas.microsoft.com/office/drawing/2014/main" id="{A5B99E91-1C29-C046-B065-67A452BCDA35}"/>
+              </a:ext>
+            </a:extLst>
+          </p:cNvPr>
+          <p:cNvSpPr/>
+          <p:nvPr/>
+        </p:nvSpPr>
+        <p:spPr>
+          <a:xfrm>
+            <a:off x="4556354" y="2329132"/>
+            <a:ext cx="914400" cy="914400"/>
+          </a:xfrm>
+          <a:prstGeom prst="ellipse">
+            <a:avLst/>
+          </a:prstGeom>
+        </p:spPr>
+        <p:style>
+          <a:lnRef idx="1">
+            <a:schemeClr val="accent4"/>
+          </a:lnRef>
+          <a:fillRef idx="2">
+            <a:schemeClr val="accent4"/>
+          </a:fillRef>
+          <a:effectRef idx="1">
+            <a:schemeClr val="accent4"/>
+          </a:effectRef>
+          <a:fontRef idx="minor">
+            <a:schemeClr val="dk1"/>
+          </a:fontRef>
+        </p:style>
+        <p:txBody>
+          <a:bodyPr rtlCol="0" anchor="ctr"/>
+          <a:lstStyle/>
+          <a:p>
+            <a:pPr algn="ctr"/>
+            <a:r>
+              <a:rPr lang="en-US" b="1" dirty="0"/>
+              <a:t>U</a:t>
+            </a:r>
+            <a:r>
+              <a:rPr lang="en-US" b="1" baseline="-25000" dirty="0"/>
+              <a:t>1..n</a:t>
+            </a:r>
+            <a:endParaRPr lang="en-US" b="1" dirty="0"/>
+          </a:p>
+        </p:txBody>
+      </p:sp>
+      <p:sp>
+        <p:nvSpPr>
+          <p:cNvPr id="37" name="Diamond 36">
+            <a:extLst>
+              <a:ext uri="{FF2B5EF4-FFF2-40B4-BE49-F238E27FC236}">
+                <a16:creationId xmlns:a16="http://schemas.microsoft.com/office/drawing/2014/main" id="{3C7852E4-BBA0-0A4F-B4C8-3F5EB7D57508}"/>
+              </a:ext>
+            </a:extLst>
+          </p:cNvPr>
+          <p:cNvSpPr/>
+          <p:nvPr/>
+        </p:nvSpPr>
+        <p:spPr>
+          <a:xfrm>
+            <a:off x="1836588" y="2415843"/>
+            <a:ext cx="346842" cy="336331"/>
+          </a:xfrm>
+          <a:prstGeom prst="diamond">
+            <a:avLst/>
+          </a:prstGeom>
+        </p:spPr>
+        <p:style>
+          <a:lnRef idx="1">
+            <a:schemeClr val="accent5"/>
+          </a:lnRef>
+          <a:fillRef idx="2">
+            <a:schemeClr val="accent5"/>
+          </a:fillRef>
+          <a:effectRef idx="1">
+            <a:schemeClr val="accent5"/>
+          </a:effectRef>
+          <a:fontRef idx="minor">
+            <a:schemeClr val="dk1"/>
+          </a:fontRef>
+        </p:style>
+        <p:txBody>
+          <a:bodyPr rtlCol="0" anchor="ctr"/>
+          <a:lstStyle/>
+          <a:p>
+            <a:pPr algn="ctr"/>
+            <a:endParaRPr lang="en-US" b="1"/>
+          </a:p>
+        </p:txBody>
+      </p:sp>
+      <p:sp>
+        <p:nvSpPr>
+          <p:cNvPr id="38" name="Oval 37">
+            <a:extLst>
+              <a:ext uri="{FF2B5EF4-FFF2-40B4-BE49-F238E27FC236}">
+                <a16:creationId xmlns:a16="http://schemas.microsoft.com/office/drawing/2014/main" id="{C744B89D-4F7D-A54E-9F53-895F9200E5D5}"/>
+              </a:ext>
+            </a:extLst>
+          </p:cNvPr>
+          <p:cNvSpPr/>
+          <p:nvPr/>
+        </p:nvSpPr>
+        <p:spPr>
+          <a:xfrm>
+            <a:off x="10292160" y="689518"/>
+            <a:ext cx="914400" cy="914400"/>
+          </a:xfrm>
+          <a:prstGeom prst="ellipse">
+            <a:avLst/>
+          </a:prstGeom>
+        </p:spPr>
+        <p:style>
+          <a:lnRef idx="1">
+            <a:schemeClr val="accent5"/>
+          </a:lnRef>
+          <a:fillRef idx="2">
+            <a:schemeClr val="accent5"/>
+          </a:fillRef>
+          <a:effectRef idx="1">
+            <a:schemeClr val="accent5"/>
+          </a:effectRef>
+          <a:fontRef idx="minor">
+            <a:schemeClr val="dk1"/>
+          </a:fontRef>
+        </p:style>
+        <p:txBody>
+          <a:bodyPr rtlCol="0" anchor="ctr"/>
+          <a:lstStyle/>
+          <a:p>
+            <a:pPr algn="ctr"/>
+            <a:r>
+              <a:rPr lang="en-US" b="1" dirty="0"/>
+              <a:t>A</a:t>
+            </a:r>
+          </a:p>
+        </p:txBody>
+      </p:sp>
+      <p:sp>
+        <p:nvSpPr>
+          <p:cNvPr id="39" name="Oval 38">
+            <a:extLst>
+              <a:ext uri="{FF2B5EF4-FFF2-40B4-BE49-F238E27FC236}">
+                <a16:creationId xmlns:a16="http://schemas.microsoft.com/office/drawing/2014/main" id="{D90E74EA-DF5A-D742-871D-42E75970341A}"/>
+              </a:ext>
+            </a:extLst>
+          </p:cNvPr>
+          <p:cNvSpPr/>
+          <p:nvPr/>
+        </p:nvSpPr>
+        <p:spPr>
+          <a:xfrm>
+            <a:off x="10292160" y="1871932"/>
+            <a:ext cx="914400" cy="914400"/>
+          </a:xfrm>
+          <a:prstGeom prst="ellipse">
+            <a:avLst/>
+          </a:prstGeom>
+        </p:spPr>
+        <p:style>
+          <a:lnRef idx="1">
+            <a:schemeClr val="accent5"/>
+          </a:lnRef>
+          <a:fillRef idx="2">
+            <a:schemeClr val="accent5"/>
+          </a:fillRef>
+          <a:effectRef idx="1">
+            <a:schemeClr val="accent5"/>
+          </a:effectRef>
+          <a:fontRef idx="minor">
+            <a:schemeClr val="dk1"/>
+          </a:fontRef>
+        </p:style>
+        <p:txBody>
+          <a:bodyPr rtlCol="0" anchor="ctr"/>
+          <a:lstStyle/>
+          <a:p>
+            <a:pPr algn="ctr"/>
+            <a:r>
+              <a:rPr lang="en-US" b="1" dirty="0"/>
+              <a:t>B</a:t>
+            </a:r>
+          </a:p>
+        </p:txBody>
+      </p:sp>
+      <p:sp>
+        <p:nvSpPr>
+          <p:cNvPr id="40" name="Oval 39">
+            <a:extLst>
+              <a:ext uri="{FF2B5EF4-FFF2-40B4-BE49-F238E27FC236}">
+                <a16:creationId xmlns:a16="http://schemas.microsoft.com/office/drawing/2014/main" id="{2870BB96-4795-0045-889A-D3B61F01297D}"/>
+              </a:ext>
+            </a:extLst>
+          </p:cNvPr>
+          <p:cNvSpPr/>
+          <p:nvPr/>
+        </p:nvSpPr>
+        <p:spPr>
+          <a:xfrm>
+            <a:off x="10292160" y="3054346"/>
+            <a:ext cx="914400" cy="914400"/>
+          </a:xfrm>
+          <a:prstGeom prst="ellipse">
+            <a:avLst/>
+          </a:prstGeom>
+        </p:spPr>
+        <p:style>
+          <a:lnRef idx="1">
+            <a:schemeClr val="accent5"/>
+          </a:lnRef>
+          <a:fillRef idx="2">
+            <a:schemeClr val="accent5"/>
+          </a:fillRef>
+          <a:effectRef idx="1">
+            <a:schemeClr val="accent5"/>
+          </a:effectRef>
+          <a:fontRef idx="minor">
+            <a:schemeClr val="dk1"/>
+          </a:fontRef>
+        </p:style>
+        <p:txBody>
+          <a:bodyPr rtlCol="0" anchor="ctr"/>
+          <a:lstStyle/>
+          <a:p>
+            <a:pPr algn="ctr"/>
+            <a:r>
+              <a:rPr lang="en-US" b="1" dirty="0"/>
+              <a:t>C</a:t>
+            </a:r>
+          </a:p>
+        </p:txBody>
+      </p:sp>
+      <p:sp>
+        <p:nvSpPr>
+          <p:cNvPr id="41" name="Oval 40">
+            <a:extLst>
+              <a:ext uri="{FF2B5EF4-FFF2-40B4-BE49-F238E27FC236}">
+                <a16:creationId xmlns:a16="http://schemas.microsoft.com/office/drawing/2014/main" id="{5003BDE7-9BB0-BA44-8E9F-F4E2ABC8D927}"/>
+              </a:ext>
+            </a:extLst>
+          </p:cNvPr>
+          <p:cNvSpPr/>
+          <p:nvPr/>
+        </p:nvSpPr>
+        <p:spPr>
+          <a:xfrm>
+            <a:off x="10292160" y="4236760"/>
+            <a:ext cx="914400" cy="914400"/>
+          </a:xfrm>
+          <a:prstGeom prst="ellipse">
+            <a:avLst/>
+          </a:prstGeom>
+        </p:spPr>
+        <p:style>
+          <a:lnRef idx="1">
+            <a:schemeClr val="accent5"/>
+          </a:lnRef>
+          <a:fillRef idx="2">
+            <a:schemeClr val="accent5"/>
+          </a:fillRef>
+          <a:effectRef idx="1">
+            <a:schemeClr val="accent5"/>
+          </a:effectRef>
+          <a:fontRef idx="minor">
+            <a:schemeClr val="dk1"/>
+          </a:fontRef>
+        </p:style>
+        <p:txBody>
+          <a:bodyPr rtlCol="0" anchor="ctr"/>
+          <a:lstStyle/>
+          <a:p>
+            <a:pPr algn="ctr"/>
+            <a:r>
+              <a:rPr lang="en-US" b="1" dirty="0"/>
+              <a:t>D</a:t>
+            </a:r>
+          </a:p>
+        </p:txBody>
+      </p:sp>
+      <p:sp>
+        <p:nvSpPr>
+          <p:cNvPr id="42" name="Oval 41">
+            <a:extLst>
+              <a:ext uri="{FF2B5EF4-FFF2-40B4-BE49-F238E27FC236}">
+                <a16:creationId xmlns:a16="http://schemas.microsoft.com/office/drawing/2014/main" id="{4E7916FE-6EA6-804E-B291-5FF0C0837123}"/>
+              </a:ext>
+            </a:extLst>
+          </p:cNvPr>
+          <p:cNvSpPr/>
+          <p:nvPr/>
+        </p:nvSpPr>
+        <p:spPr>
+          <a:xfrm>
+            <a:off x="8279429" y="2329132"/>
+            <a:ext cx="914400" cy="914400"/>
+          </a:xfrm>
+          <a:prstGeom prst="ellipse">
+            <a:avLst/>
+          </a:prstGeom>
+        </p:spPr>
+        <p:style>
+          <a:lnRef idx="1">
+            <a:schemeClr val="accent4"/>
+          </a:lnRef>
+          <a:fillRef idx="2">
+            <a:schemeClr val="accent4"/>
+          </a:fillRef>
+          <a:effectRef idx="1">
+            <a:schemeClr val="accent4"/>
+          </a:effectRef>
+          <a:fontRef idx="minor">
+            <a:schemeClr val="dk1"/>
+          </a:fontRef>
+        </p:style>
+        <p:txBody>
+          <a:bodyPr rtlCol="0" anchor="ctr"/>
+          <a:lstStyle/>
+          <a:p>
+            <a:pPr algn="ctr"/>
+            <a:r>
+              <a:rPr lang="en-US" b="1" dirty="0"/>
+              <a:t>U</a:t>
+            </a:r>
+            <a:r>
+              <a:rPr lang="en-US" b="1" baseline="-25000" dirty="0"/>
+              <a:t>1..n</a:t>
+            </a:r>
+            <a:endParaRPr lang="en-US" b="1" dirty="0"/>
+          </a:p>
+        </p:txBody>
+      </p:sp>
+      <p:cxnSp>
+        <p:nvCxnSpPr>
+          <p:cNvPr id="43" name="Elbow Connector 42">
+            <a:extLst>
+              <a:ext uri="{FF2B5EF4-FFF2-40B4-BE49-F238E27FC236}">
+                <a16:creationId xmlns:a16="http://schemas.microsoft.com/office/drawing/2014/main" id="{751E9F9D-F9B5-4744-9B2B-D63080D4C828}"/>
+              </a:ext>
+            </a:extLst>
+          </p:cNvPr>
+          <p:cNvCxnSpPr>
+            <a:cxnSpLocks/>
+            <a:stCxn id="42" idx="6"/>
+            <a:endCxn id="38" idx="2"/>
+          </p:cNvCxnSpPr>
+          <p:nvPr/>
+        </p:nvCxnSpPr>
+        <p:spPr>
+          <a:xfrm flipV="1">
+            <a:off x="9193829" y="1146718"/>
+            <a:ext cx="1098331" cy="1639614"/>
+          </a:xfrm>
+          <a:prstGeom prst="bentConnector3">
+            <a:avLst>
+              <a:gd name="adj1" fmla="val 50000"/>
+            </a:avLst>
+          </a:prstGeom>
+          <a:ln w="38100">
+            <a:headEnd type="triangle"/>
+            <a:tailEnd type="triangle"/>
+          </a:ln>
+        </p:spPr>
+        <p:style>
+          <a:lnRef idx="1">
+            <a:schemeClr val="accent1"/>
+          </a:lnRef>
+          <a:fillRef idx="0">
+            <a:schemeClr val="accent1"/>
+          </a:fillRef>
+          <a:effectRef idx="0">
+            <a:schemeClr val="accent1"/>
+          </a:effectRef>
+          <a:fontRef idx="minor">
+            <a:schemeClr val="tx1"/>
+          </a:fontRef>
+        </p:style>
+      </p:cxnSp>
+      <p:cxnSp>
+        <p:nvCxnSpPr>
+          <p:cNvPr id="44" name="Elbow Connector 43">
+            <a:extLst>
+              <a:ext uri="{FF2B5EF4-FFF2-40B4-BE49-F238E27FC236}">
+                <a16:creationId xmlns:a16="http://schemas.microsoft.com/office/drawing/2014/main" id="{042DB60F-2792-DF46-9DE9-3D84CD519059}"/>
+              </a:ext>
+            </a:extLst>
+          </p:cNvPr>
+          <p:cNvCxnSpPr>
+            <a:cxnSpLocks/>
+            <a:endCxn id="40" idx="2"/>
+          </p:cNvCxnSpPr>
+          <p:nvPr/>
+        </p:nvCxnSpPr>
+        <p:spPr>
+          <a:xfrm>
+            <a:off x="9193829" y="2786332"/>
+            <a:ext cx="1098331" cy="725214"/>
+          </a:xfrm>
+          <a:prstGeom prst="bentConnector3">
+            <a:avLst>
+              <a:gd name="adj1" fmla="val 50000"/>
+            </a:avLst>
+          </a:prstGeom>
+          <a:ln w="38100">
+            <a:headEnd type="triangle"/>
+            <a:tailEnd type="triangle"/>
+          </a:ln>
+        </p:spPr>
+        <p:style>
+          <a:lnRef idx="1">
+            <a:schemeClr val="accent1"/>
+          </a:lnRef>
+          <a:fillRef idx="0">
+            <a:schemeClr val="accent1"/>
+          </a:fillRef>
+          <a:effectRef idx="0">
+            <a:schemeClr val="accent1"/>
+          </a:effectRef>
+          <a:fontRef idx="minor">
+            <a:schemeClr val="tx1"/>
+          </a:fontRef>
+        </p:style>
+      </p:cxnSp>
+      <p:cxnSp>
+        <p:nvCxnSpPr>
+          <p:cNvPr id="45" name="Elbow Connector 44">
+            <a:extLst>
+              <a:ext uri="{FF2B5EF4-FFF2-40B4-BE49-F238E27FC236}">
+                <a16:creationId xmlns:a16="http://schemas.microsoft.com/office/drawing/2014/main" id="{78BE438D-EAD5-5E4A-A5F5-DEDF8067F97C}"/>
+              </a:ext>
+            </a:extLst>
+          </p:cNvPr>
+          <p:cNvCxnSpPr>
+            <a:cxnSpLocks/>
+            <a:stCxn id="42" idx="6"/>
+            <a:endCxn id="39" idx="2"/>
+          </p:cNvCxnSpPr>
+          <p:nvPr/>
+        </p:nvCxnSpPr>
+        <p:spPr>
+          <a:xfrm flipV="1">
+            <a:off x="9193829" y="2329132"/>
+            <a:ext cx="1098331" cy="457200"/>
+          </a:xfrm>
+          <a:prstGeom prst="bentConnector3">
+            <a:avLst>
+              <a:gd name="adj1" fmla="val 50000"/>
+            </a:avLst>
+          </a:prstGeom>
+          <a:ln w="38100">
+            <a:headEnd type="triangle"/>
+            <a:tailEnd type="triangle"/>
+          </a:ln>
+        </p:spPr>
+        <p:style>
+          <a:lnRef idx="1">
+            <a:schemeClr val="accent1"/>
+          </a:lnRef>
+          <a:fillRef idx="0">
+            <a:schemeClr val="accent1"/>
+          </a:fillRef>
+          <a:effectRef idx="0">
+            <a:schemeClr val="accent1"/>
+          </a:effectRef>
+          <a:fontRef idx="minor">
+            <a:schemeClr val="tx1"/>
+          </a:fontRef>
+        </p:style>
+      </p:cxnSp>
+      <p:cxnSp>
+        <p:nvCxnSpPr>
+          <p:cNvPr id="46" name="Elbow Connector 45">
+            <a:extLst>
+              <a:ext uri="{FF2B5EF4-FFF2-40B4-BE49-F238E27FC236}">
+                <a16:creationId xmlns:a16="http://schemas.microsoft.com/office/drawing/2014/main" id="{FA1FFBBA-4849-1642-8856-F367FBBE4137}"/>
+              </a:ext>
+            </a:extLst>
+          </p:cNvPr>
+          <p:cNvCxnSpPr>
+            <a:cxnSpLocks/>
+            <a:stCxn id="42" idx="6"/>
+            <a:endCxn id="41" idx="2"/>
+          </p:cNvCxnSpPr>
+          <p:nvPr/>
+        </p:nvCxnSpPr>
+        <p:spPr>
+          <a:xfrm>
+            <a:off x="9193829" y="2786332"/>
+            <a:ext cx="1098331" cy="1907628"/>
+          </a:xfrm>
+          <a:prstGeom prst="bentConnector3">
+            <a:avLst>
+              <a:gd name="adj1" fmla="val 50000"/>
+            </a:avLst>
+          </a:prstGeom>
+          <a:ln w="38100">
+            <a:headEnd type="triangle"/>
+            <a:tailEnd type="triangle"/>
+          </a:ln>
+        </p:spPr>
+        <p:style>
+          <a:lnRef idx="1">
+            <a:schemeClr val="accent1"/>
+          </a:lnRef>
+          <a:fillRef idx="0">
+            <a:schemeClr val="accent1"/>
+          </a:fillRef>
+          <a:effectRef idx="0">
+            <a:schemeClr val="accent1"/>
+          </a:effectRef>
+          <a:fontRef idx="minor">
+            <a:schemeClr val="tx1"/>
+          </a:fontRef>
+        </p:style>
+      </p:cxnSp>
+      <p:sp>
+        <p:nvSpPr>
+          <p:cNvPr id="48" name="TextBox 47">
+            <a:extLst>
+              <a:ext uri="{FF2B5EF4-FFF2-40B4-BE49-F238E27FC236}">
+                <a16:creationId xmlns:a16="http://schemas.microsoft.com/office/drawing/2014/main" id="{B480B65B-3862-8346-A168-198EE582AA56}"/>
+              </a:ext>
+            </a:extLst>
+          </p:cNvPr>
+          <p:cNvSpPr txBox="1"/>
+          <p:nvPr/>
+        </p:nvSpPr>
+        <p:spPr>
+          <a:xfrm>
+            <a:off x="9468506" y="5491419"/>
+            <a:ext cx="1346394" cy="369332"/>
+          </a:xfrm>
+          <a:prstGeom prst="rect">
+            <a:avLst/>
+          </a:prstGeom>
+          <a:noFill/>
+        </p:spPr>
+        <p:txBody>
+          <a:bodyPr wrap="none" rtlCol="0">
+            <a:spAutoFit/>
+          </a:bodyPr>
+          <a:lstStyle/>
+          <a:p>
+            <a:r>
+              <a:rPr lang="en-US" dirty="0"/>
+              <a:t>Cooperation</a:t>
+            </a:r>
+          </a:p>
+        </p:txBody>
+      </p:sp>
+      <p:cxnSp>
+        <p:nvCxnSpPr>
+          <p:cNvPr id="53" name="Straight Arrow Connector 52">
+            <a:extLst>
+              <a:ext uri="{FF2B5EF4-FFF2-40B4-BE49-F238E27FC236}">
+                <a16:creationId xmlns:a16="http://schemas.microsoft.com/office/drawing/2014/main" id="{EA835457-8FB9-BB47-8F5D-1911287D8E5A}"/>
+              </a:ext>
+            </a:extLst>
+          </p:cNvPr>
+          <p:cNvCxnSpPr>
+            <a:cxnSpLocks/>
+          </p:cNvCxnSpPr>
+          <p:nvPr/>
+        </p:nvCxnSpPr>
+        <p:spPr>
+          <a:xfrm flipH="1">
+            <a:off x="9193829" y="2957093"/>
+            <a:ext cx="534066" cy="0"/>
+          </a:xfrm>
+          <a:prstGeom prst="straightConnector1">
+            <a:avLst/>
+          </a:prstGeom>
+          <a:ln w="38100">
+            <a:solidFill>
+              <a:schemeClr val="accent1"/>
+            </a:solidFill>
+            <a:tailEnd type="triangle"/>
+          </a:ln>
+        </p:spPr>
+        <p:style>
+          <a:lnRef idx="3">
+            <a:schemeClr val="dk1"/>
+          </a:lnRef>
+          <a:fillRef idx="0">
+            <a:schemeClr val="dk1"/>
+          </a:fillRef>
+          <a:effectRef idx="2">
+            <a:schemeClr val="dk1"/>
+          </a:effectRef>
+          <a:fontRef idx="minor">
+            <a:schemeClr val="tx1"/>
+          </a:fontRef>
+        </p:style>
+      </p:cxnSp>
+      <p:cxnSp>
+        <p:nvCxnSpPr>
+          <p:cNvPr id="55" name="Straight Arrow Connector 54">
+            <a:extLst>
+              <a:ext uri="{FF2B5EF4-FFF2-40B4-BE49-F238E27FC236}">
+                <a16:creationId xmlns:a16="http://schemas.microsoft.com/office/drawing/2014/main" id="{D054A042-7B4A-4240-9C1C-F48AE7E3A68E}"/>
+              </a:ext>
+            </a:extLst>
+          </p:cNvPr>
+          <p:cNvCxnSpPr>
+            <a:cxnSpLocks/>
+          </p:cNvCxnSpPr>
+          <p:nvPr/>
+        </p:nvCxnSpPr>
+        <p:spPr>
+          <a:xfrm flipH="1">
+            <a:off x="9201473" y="2613734"/>
+            <a:ext cx="534066" cy="0"/>
+          </a:xfrm>
+          <a:prstGeom prst="straightConnector1">
+            <a:avLst/>
+          </a:prstGeom>
+          <a:ln w="38100">
+            <a:solidFill>
+              <a:schemeClr val="accent1"/>
+            </a:solidFill>
+            <a:tailEnd type="triangle"/>
+          </a:ln>
+        </p:spPr>
+        <p:style>
+          <a:lnRef idx="3">
+            <a:schemeClr val="dk1"/>
+          </a:lnRef>
+          <a:fillRef idx="0">
+            <a:schemeClr val="dk1"/>
+          </a:fillRef>
+          <a:effectRef idx="2">
+            <a:schemeClr val="dk1"/>
+          </a:effectRef>
+          <a:fontRef idx="minor">
+            <a:schemeClr val="tx1"/>
+          </a:fontRef>
+        </p:style>
+      </p:cxnSp>
+      <p:cxnSp>
+        <p:nvCxnSpPr>
+          <p:cNvPr id="56" name="Straight Arrow Connector 55">
+            <a:extLst>
+              <a:ext uri="{FF2B5EF4-FFF2-40B4-BE49-F238E27FC236}">
+                <a16:creationId xmlns:a16="http://schemas.microsoft.com/office/drawing/2014/main" id="{CA009CAE-AB70-204B-B8DC-90D3B76BFB7B}"/>
+              </a:ext>
+            </a:extLst>
+          </p:cNvPr>
+          <p:cNvCxnSpPr>
+            <a:cxnSpLocks/>
+          </p:cNvCxnSpPr>
+          <p:nvPr/>
+        </p:nvCxnSpPr>
+        <p:spPr>
+          <a:xfrm flipH="1">
+            <a:off x="9201473" y="3133363"/>
+            <a:ext cx="534066" cy="0"/>
+          </a:xfrm>
+          <a:prstGeom prst="straightConnector1">
+            <a:avLst/>
+          </a:prstGeom>
+          <a:ln w="38100">
+            <a:solidFill>
+              <a:schemeClr val="accent1"/>
+            </a:solidFill>
+            <a:tailEnd type="triangle"/>
+          </a:ln>
+        </p:spPr>
+        <p:style>
+          <a:lnRef idx="3">
+            <a:schemeClr val="dk1"/>
+          </a:lnRef>
+          <a:fillRef idx="0">
+            <a:schemeClr val="dk1"/>
+          </a:fillRef>
+          <a:effectRef idx="2">
+            <a:schemeClr val="dk1"/>
+          </a:effectRef>
+          <a:fontRef idx="minor">
+            <a:schemeClr val="tx1"/>
+          </a:fontRef>
+        </p:style>
+      </p:cxnSp>
+    </p:spTree>
+    <p:extLst>
+      <p:ext uri="{BB962C8B-B14F-4D97-AF65-F5344CB8AC3E}">
+        <p14:creationId xmlns:p14="http://schemas.microsoft.com/office/powerpoint/2010/main" val="4246786267"/>
+      </p:ext>
+    </p:extLst>
+  </p:cSld>
+  <p:clrMapOvr>
+    <a:masterClrMapping/>
+  </p:clrMapOvr>
+</p:sld>
+</file>
+
 <file path=ppt/theme/theme1.xml><?xml version="1.0" encoding="utf-8"?>
 <a:theme xmlns:a="http://schemas.openxmlformats.org/drawingml/2006/main" name="Office Theme">
   <a:themeElements>

--- a/images/nist-analytics-processes.pptx
+++ b/images/nist-analytics-processes.pptx
@@ -4824,1460 +4824,1481 @@
           <a:chExt cx="0" cy="0"/>
         </a:xfrm>
       </p:grpSpPr>
-      <p:sp>
-        <p:nvSpPr>
-          <p:cNvPr id="10" name="Left Bracket 9">
-            <a:extLst>
-              <a:ext uri="{FF2B5EF4-FFF2-40B4-BE49-F238E27FC236}">
-                <a16:creationId xmlns:a16="http://schemas.microsoft.com/office/drawing/2014/main" id="{C6C7AEE4-248A-6940-A952-0DE8B14F12A0}"/>
-              </a:ext>
-            </a:extLst>
-          </p:cNvPr>
-          <p:cNvSpPr/>
+      <p:grpSp>
+        <p:nvGrpSpPr>
+          <p:cNvPr id="57" name="Group 56">
+            <a:extLst>
+              <a:ext uri="{FF2B5EF4-FFF2-40B4-BE49-F238E27FC236}">
+                <a16:creationId xmlns:a16="http://schemas.microsoft.com/office/drawing/2014/main" id="{CC353403-6ACB-E730-D6D4-B9C7E4B350D7}"/>
+              </a:ext>
+            </a:extLst>
+          </p:cNvPr>
+          <p:cNvGrpSpPr/>
           <p:nvPr/>
-        </p:nvSpPr>
-        <p:spPr>
+        </p:nvGrpSpPr>
+        <p:grpSpPr>
           <a:xfrm>
-            <a:off x="2010010" y="1088769"/>
-            <a:ext cx="346842" cy="3573518"/>
+            <a:off x="693802" y="689518"/>
+            <a:ext cx="10512758" cy="5171233"/>
+            <a:chOff x="693802" y="689518"/>
+            <a:chExt cx="10512758" cy="5171233"/>
           </a:xfrm>
-          <a:prstGeom prst="leftBracket">
-            <a:avLst/>
-          </a:prstGeom>
-          <a:ln w="38100"/>
-        </p:spPr>
-        <p:style>
-          <a:lnRef idx="3">
-            <a:schemeClr val="dk1"/>
-          </a:lnRef>
-          <a:fillRef idx="0">
-            <a:schemeClr val="dk1"/>
-          </a:fillRef>
-          <a:effectRef idx="2">
-            <a:schemeClr val="dk1"/>
-          </a:effectRef>
-          <a:fontRef idx="minor">
-            <a:schemeClr val="tx1"/>
-          </a:fontRef>
-        </p:style>
-        <p:txBody>
-          <a:bodyPr rtlCol="0" anchor="ctr"/>
-          <a:lstStyle/>
-          <a:p>
-            <a:pPr algn="ctr"/>
-            <a:endParaRPr lang="en-US" b="1"/>
-          </a:p>
-        </p:txBody>
-      </p:sp>
-      <p:cxnSp>
-        <p:nvCxnSpPr>
-          <p:cNvPr id="12" name="Straight Arrow Connector 11">
-            <a:extLst>
-              <a:ext uri="{FF2B5EF4-FFF2-40B4-BE49-F238E27FC236}">
-                <a16:creationId xmlns:a16="http://schemas.microsoft.com/office/drawing/2014/main" id="{04C66EAC-BE32-0E4F-BCDE-4CDF96DA8A5D}"/>
-              </a:ext>
-            </a:extLst>
-          </p:cNvPr>
-          <p:cNvCxnSpPr>
-            <a:stCxn id="8" idx="6"/>
-            <a:endCxn id="5" idx="2"/>
-          </p:cNvCxnSpPr>
-          <p:nvPr/>
-        </p:nvCxnSpPr>
-        <p:spPr>
-          <a:xfrm flipV="1">
-            <a:off x="1608202" y="2329132"/>
-            <a:ext cx="1098331" cy="457200"/>
-          </a:xfrm>
-          <a:prstGeom prst="straightConnector1">
-            <a:avLst/>
-          </a:prstGeom>
-          <a:ln w="38100">
-            <a:tailEnd type="triangle"/>
-          </a:ln>
-        </p:spPr>
-        <p:style>
-          <a:lnRef idx="3">
-            <a:schemeClr val="dk1"/>
-          </a:lnRef>
-          <a:fillRef idx="0">
-            <a:schemeClr val="dk1"/>
-          </a:fillRef>
-          <a:effectRef idx="2">
-            <a:schemeClr val="dk1"/>
-          </a:effectRef>
-          <a:fontRef idx="minor">
-            <a:schemeClr val="tx1"/>
-          </a:fontRef>
-        </p:style>
-      </p:cxnSp>
-      <p:cxnSp>
-        <p:nvCxnSpPr>
-          <p:cNvPr id="23" name="Elbow Connector 22">
-            <a:extLst>
-              <a:ext uri="{FF2B5EF4-FFF2-40B4-BE49-F238E27FC236}">
-                <a16:creationId xmlns:a16="http://schemas.microsoft.com/office/drawing/2014/main" id="{9045E35B-F065-8443-8F61-A88EDBCA6875}"/>
-              </a:ext>
-            </a:extLst>
-          </p:cNvPr>
-          <p:cNvCxnSpPr>
-            <a:cxnSpLocks/>
-            <a:stCxn id="18" idx="6"/>
-            <a:endCxn id="14" idx="2"/>
-          </p:cNvCxnSpPr>
-          <p:nvPr/>
-        </p:nvCxnSpPr>
-        <p:spPr>
-          <a:xfrm flipV="1">
-            <a:off x="5470754" y="1146718"/>
-            <a:ext cx="1098331" cy="1639614"/>
-          </a:xfrm>
-          <a:prstGeom prst="bentConnector3">
-            <a:avLst>
-              <a:gd name="adj1" fmla="val 50000"/>
-            </a:avLst>
-          </a:prstGeom>
-          <a:ln w="38100">
-            <a:headEnd type="triangle"/>
-            <a:tailEnd type="triangle"/>
-          </a:ln>
-        </p:spPr>
-        <p:style>
-          <a:lnRef idx="1">
-            <a:schemeClr val="accent1"/>
-          </a:lnRef>
-          <a:fillRef idx="0">
-            <a:schemeClr val="accent1"/>
-          </a:fillRef>
-          <a:effectRef idx="0">
-            <a:schemeClr val="accent1"/>
-          </a:effectRef>
-          <a:fontRef idx="minor">
-            <a:schemeClr val="tx1"/>
-          </a:fontRef>
-        </p:style>
-      </p:cxnSp>
-      <p:cxnSp>
-        <p:nvCxnSpPr>
-          <p:cNvPr id="26" name="Elbow Connector 25">
-            <a:extLst>
-              <a:ext uri="{FF2B5EF4-FFF2-40B4-BE49-F238E27FC236}">
-                <a16:creationId xmlns:a16="http://schemas.microsoft.com/office/drawing/2014/main" id="{B255E9A5-60C5-C84C-951A-DF5BFE8C9477}"/>
-              </a:ext>
-            </a:extLst>
-          </p:cNvPr>
-          <p:cNvCxnSpPr>
-            <a:cxnSpLocks/>
-            <a:endCxn id="16" idx="2"/>
-          </p:cNvCxnSpPr>
-          <p:nvPr/>
-        </p:nvCxnSpPr>
-        <p:spPr>
-          <a:xfrm>
-            <a:off x="5470754" y="2786332"/>
-            <a:ext cx="1098331" cy="725214"/>
-          </a:xfrm>
-          <a:prstGeom prst="bentConnector3">
-            <a:avLst>
-              <a:gd name="adj1" fmla="val 50000"/>
-            </a:avLst>
-          </a:prstGeom>
-          <a:ln w="38100">
-            <a:headEnd type="triangle"/>
-            <a:tailEnd type="triangle"/>
-          </a:ln>
-        </p:spPr>
-        <p:style>
-          <a:lnRef idx="1">
-            <a:schemeClr val="accent1"/>
-          </a:lnRef>
-          <a:fillRef idx="0">
-            <a:schemeClr val="accent1"/>
-          </a:fillRef>
-          <a:effectRef idx="0">
-            <a:schemeClr val="accent1"/>
-          </a:effectRef>
-          <a:fontRef idx="minor">
-            <a:schemeClr val="tx1"/>
-          </a:fontRef>
-        </p:style>
-      </p:cxnSp>
-      <p:cxnSp>
-        <p:nvCxnSpPr>
-          <p:cNvPr id="27" name="Elbow Connector 26">
-            <a:extLst>
-              <a:ext uri="{FF2B5EF4-FFF2-40B4-BE49-F238E27FC236}">
-                <a16:creationId xmlns:a16="http://schemas.microsoft.com/office/drawing/2014/main" id="{05EB7099-1C71-5644-9614-3B799D611303}"/>
-              </a:ext>
-            </a:extLst>
-          </p:cNvPr>
-          <p:cNvCxnSpPr>
-            <a:cxnSpLocks/>
-            <a:stCxn id="18" idx="6"/>
-            <a:endCxn id="15" idx="2"/>
-          </p:cNvCxnSpPr>
-          <p:nvPr/>
-        </p:nvCxnSpPr>
-        <p:spPr>
-          <a:xfrm flipV="1">
-            <a:off x="5470754" y="2329132"/>
-            <a:ext cx="1098331" cy="457200"/>
-          </a:xfrm>
-          <a:prstGeom prst="bentConnector3">
-            <a:avLst>
-              <a:gd name="adj1" fmla="val 50000"/>
-            </a:avLst>
-          </a:prstGeom>
-          <a:ln w="38100">
-            <a:headEnd type="triangle"/>
-            <a:tailEnd type="triangle"/>
-          </a:ln>
-        </p:spPr>
-        <p:style>
-          <a:lnRef idx="1">
-            <a:schemeClr val="accent1"/>
-          </a:lnRef>
-          <a:fillRef idx="0">
-            <a:schemeClr val="accent1"/>
-          </a:fillRef>
-          <a:effectRef idx="0">
-            <a:schemeClr val="accent1"/>
-          </a:effectRef>
-          <a:fontRef idx="minor">
-            <a:schemeClr val="tx1"/>
-          </a:fontRef>
-        </p:style>
-      </p:cxnSp>
-      <p:cxnSp>
-        <p:nvCxnSpPr>
-          <p:cNvPr id="28" name="Elbow Connector 27">
-            <a:extLst>
-              <a:ext uri="{FF2B5EF4-FFF2-40B4-BE49-F238E27FC236}">
-                <a16:creationId xmlns:a16="http://schemas.microsoft.com/office/drawing/2014/main" id="{5120B451-4841-A243-B830-FCAFD8FE6769}"/>
-              </a:ext>
-            </a:extLst>
-          </p:cNvPr>
-          <p:cNvCxnSpPr>
-            <a:cxnSpLocks/>
-            <a:stCxn id="18" idx="6"/>
-            <a:endCxn id="17" idx="2"/>
-          </p:cNvCxnSpPr>
-          <p:nvPr/>
-        </p:nvCxnSpPr>
-        <p:spPr>
-          <a:xfrm>
-            <a:off x="5470754" y="2786332"/>
-            <a:ext cx="1098331" cy="1907628"/>
-          </a:xfrm>
-          <a:prstGeom prst="bentConnector3">
-            <a:avLst>
-              <a:gd name="adj1" fmla="val 50000"/>
-            </a:avLst>
-          </a:prstGeom>
-          <a:ln w="38100">
-            <a:headEnd type="triangle"/>
-            <a:tailEnd type="triangle"/>
-          </a:ln>
-        </p:spPr>
-        <p:style>
-          <a:lnRef idx="1">
-            <a:schemeClr val="accent1"/>
-          </a:lnRef>
-          <a:fillRef idx="0">
-            <a:schemeClr val="accent1"/>
-          </a:fillRef>
-          <a:effectRef idx="0">
-            <a:schemeClr val="accent1"/>
-          </a:effectRef>
-          <a:fontRef idx="minor">
-            <a:schemeClr val="tx1"/>
-          </a:fontRef>
-        </p:style>
-      </p:cxnSp>
-      <p:sp>
-        <p:nvSpPr>
-          <p:cNvPr id="34" name="TextBox 33">
-            <a:extLst>
-              <a:ext uri="{FF2B5EF4-FFF2-40B4-BE49-F238E27FC236}">
-                <a16:creationId xmlns:a16="http://schemas.microsoft.com/office/drawing/2014/main" id="{FF67FB30-EEDB-634B-A25C-36A297686EC5}"/>
-              </a:ext>
-            </a:extLst>
-          </p:cNvPr>
-          <p:cNvSpPr txBox="1"/>
-          <p:nvPr/>
-        </p:nvSpPr>
-        <p:spPr>
-          <a:xfrm>
-            <a:off x="1487270" y="5491419"/>
-            <a:ext cx="1045479" cy="369332"/>
-          </a:xfrm>
-          <a:prstGeom prst="rect">
-            <a:avLst/>
-          </a:prstGeom>
-          <a:noFill/>
-        </p:spPr>
-        <p:txBody>
-          <a:bodyPr wrap="none" rtlCol="0">
-            <a:spAutoFit/>
-          </a:bodyPr>
-          <a:lstStyle/>
-          <a:p>
-            <a:r>
-              <a:rPr lang="en-US" dirty="0"/>
-              <a:t>Selection</a:t>
-            </a:r>
-          </a:p>
-        </p:txBody>
-      </p:sp>
-      <p:sp>
-        <p:nvSpPr>
-          <p:cNvPr id="35" name="TextBox 34">
-            <a:extLst>
-              <a:ext uri="{FF2B5EF4-FFF2-40B4-BE49-F238E27FC236}">
-                <a16:creationId xmlns:a16="http://schemas.microsoft.com/office/drawing/2014/main" id="{060304B8-BDE3-BA44-8B32-6FD7077D5104}"/>
-              </a:ext>
-            </a:extLst>
-          </p:cNvPr>
-          <p:cNvSpPr txBox="1"/>
-          <p:nvPr/>
-        </p:nvSpPr>
-        <p:spPr>
-          <a:xfrm>
-            <a:off x="5672645" y="5491419"/>
-            <a:ext cx="1353640" cy="369332"/>
-          </a:xfrm>
-          <a:prstGeom prst="rect">
-            <a:avLst/>
-          </a:prstGeom>
-          <a:noFill/>
-        </p:spPr>
-        <p:txBody>
-          <a:bodyPr wrap="none" rtlCol="0">
-            <a:spAutoFit/>
-          </a:bodyPr>
-          <a:lstStyle/>
-          <a:p>
-            <a:r>
-              <a:rPr lang="en-US" dirty="0"/>
-              <a:t>Competition</a:t>
-            </a:r>
-          </a:p>
-        </p:txBody>
-      </p:sp>
-      <p:sp>
-        <p:nvSpPr>
-          <p:cNvPr id="4" name="Oval 3">
-            <a:extLst>
-              <a:ext uri="{FF2B5EF4-FFF2-40B4-BE49-F238E27FC236}">
-                <a16:creationId xmlns:a16="http://schemas.microsoft.com/office/drawing/2014/main" id="{4A1B713E-CCDF-9E40-8D6E-4565266404FB}"/>
-              </a:ext>
-            </a:extLst>
-          </p:cNvPr>
-          <p:cNvSpPr/>
-          <p:nvPr/>
-        </p:nvSpPr>
-        <p:spPr>
-          <a:xfrm>
-            <a:off x="2706533" y="689518"/>
-            <a:ext cx="914400" cy="914400"/>
-          </a:xfrm>
-          <a:prstGeom prst="ellipse">
-            <a:avLst/>
-          </a:prstGeom>
-        </p:spPr>
-        <p:style>
-          <a:lnRef idx="1">
-            <a:schemeClr val="accent4"/>
-          </a:lnRef>
-          <a:fillRef idx="2">
-            <a:schemeClr val="accent4"/>
-          </a:fillRef>
-          <a:effectRef idx="1">
-            <a:schemeClr val="accent4"/>
-          </a:effectRef>
-          <a:fontRef idx="minor">
-            <a:schemeClr val="dk1"/>
-          </a:fontRef>
-        </p:style>
-        <p:txBody>
-          <a:bodyPr rtlCol="0" anchor="ctr"/>
-          <a:lstStyle/>
-          <a:p>
-            <a:pPr algn="ctr"/>
-            <a:r>
-              <a:rPr lang="en-US" b="1" dirty="0"/>
-              <a:t>A</a:t>
-            </a:r>
-          </a:p>
-        </p:txBody>
-      </p:sp>
-      <p:sp>
-        <p:nvSpPr>
-          <p:cNvPr id="5" name="Oval 4">
-            <a:extLst>
-              <a:ext uri="{FF2B5EF4-FFF2-40B4-BE49-F238E27FC236}">
-                <a16:creationId xmlns:a16="http://schemas.microsoft.com/office/drawing/2014/main" id="{912BFB0C-93E0-834C-B227-5C705D861D7A}"/>
-              </a:ext>
-            </a:extLst>
-          </p:cNvPr>
-          <p:cNvSpPr/>
-          <p:nvPr/>
-        </p:nvSpPr>
-        <p:spPr>
-          <a:xfrm>
-            <a:off x="2706533" y="1871932"/>
-            <a:ext cx="914400" cy="914400"/>
-          </a:xfrm>
-          <a:prstGeom prst="ellipse">
-            <a:avLst/>
-          </a:prstGeom>
-        </p:spPr>
-        <p:style>
-          <a:lnRef idx="1">
-            <a:schemeClr val="accent5"/>
-          </a:lnRef>
-          <a:fillRef idx="2">
-            <a:schemeClr val="accent5"/>
-          </a:fillRef>
-          <a:effectRef idx="1">
-            <a:schemeClr val="accent5"/>
-          </a:effectRef>
-          <a:fontRef idx="minor">
-            <a:schemeClr val="dk1"/>
-          </a:fontRef>
-        </p:style>
-        <p:txBody>
-          <a:bodyPr rtlCol="0" anchor="ctr"/>
-          <a:lstStyle/>
-          <a:p>
-            <a:pPr algn="ctr"/>
-            <a:r>
-              <a:rPr lang="en-US" b="1" dirty="0"/>
-              <a:t>B</a:t>
-            </a:r>
-          </a:p>
-        </p:txBody>
-      </p:sp>
-      <p:sp>
-        <p:nvSpPr>
-          <p:cNvPr id="6" name="Oval 5">
-            <a:extLst>
-              <a:ext uri="{FF2B5EF4-FFF2-40B4-BE49-F238E27FC236}">
-                <a16:creationId xmlns:a16="http://schemas.microsoft.com/office/drawing/2014/main" id="{517627B0-CE6F-A14D-A093-DB93814B1B19}"/>
-              </a:ext>
-            </a:extLst>
-          </p:cNvPr>
-          <p:cNvSpPr/>
-          <p:nvPr/>
-        </p:nvSpPr>
-        <p:spPr>
-          <a:xfrm>
-            <a:off x="2706533" y="3054346"/>
-            <a:ext cx="914400" cy="914400"/>
-          </a:xfrm>
-          <a:prstGeom prst="ellipse">
-            <a:avLst/>
-          </a:prstGeom>
-        </p:spPr>
-        <p:style>
-          <a:lnRef idx="1">
-            <a:schemeClr val="accent4"/>
-          </a:lnRef>
-          <a:fillRef idx="2">
-            <a:schemeClr val="accent4"/>
-          </a:fillRef>
-          <a:effectRef idx="1">
-            <a:schemeClr val="accent4"/>
-          </a:effectRef>
-          <a:fontRef idx="minor">
-            <a:schemeClr val="dk1"/>
-          </a:fontRef>
-        </p:style>
-        <p:txBody>
-          <a:bodyPr rtlCol="0" anchor="ctr"/>
-          <a:lstStyle/>
-          <a:p>
-            <a:pPr algn="ctr"/>
-            <a:r>
-              <a:rPr lang="en-US" b="1" dirty="0"/>
-              <a:t>C</a:t>
-            </a:r>
-          </a:p>
-        </p:txBody>
-      </p:sp>
-      <p:sp>
-        <p:nvSpPr>
-          <p:cNvPr id="7" name="Oval 6">
-            <a:extLst>
-              <a:ext uri="{FF2B5EF4-FFF2-40B4-BE49-F238E27FC236}">
-                <a16:creationId xmlns:a16="http://schemas.microsoft.com/office/drawing/2014/main" id="{719EB8CB-F1F9-3547-AB56-BC9B1290889C}"/>
-              </a:ext>
-            </a:extLst>
-          </p:cNvPr>
-          <p:cNvSpPr/>
-          <p:nvPr/>
-        </p:nvSpPr>
-        <p:spPr>
-          <a:xfrm>
-            <a:off x="2706533" y="4236760"/>
-            <a:ext cx="914400" cy="914400"/>
-          </a:xfrm>
-          <a:prstGeom prst="ellipse">
-            <a:avLst/>
-          </a:prstGeom>
-        </p:spPr>
-        <p:style>
-          <a:lnRef idx="1">
-            <a:schemeClr val="accent4"/>
-          </a:lnRef>
-          <a:fillRef idx="2">
-            <a:schemeClr val="accent4"/>
-          </a:fillRef>
-          <a:effectRef idx="1">
-            <a:schemeClr val="accent4"/>
-          </a:effectRef>
-          <a:fontRef idx="minor">
-            <a:schemeClr val="dk1"/>
-          </a:fontRef>
-        </p:style>
-        <p:txBody>
-          <a:bodyPr rtlCol="0" anchor="ctr"/>
-          <a:lstStyle/>
-          <a:p>
-            <a:pPr algn="ctr"/>
-            <a:r>
-              <a:rPr lang="en-US" b="1" dirty="0"/>
-              <a:t>D</a:t>
-            </a:r>
-          </a:p>
-        </p:txBody>
-      </p:sp>
-      <p:sp>
-        <p:nvSpPr>
-          <p:cNvPr id="8" name="Oval 7">
-            <a:extLst>
-              <a:ext uri="{FF2B5EF4-FFF2-40B4-BE49-F238E27FC236}">
-                <a16:creationId xmlns:a16="http://schemas.microsoft.com/office/drawing/2014/main" id="{38FCEEF2-6CBC-1D4C-BC68-3FDBFD9661CA}"/>
-              </a:ext>
-            </a:extLst>
-          </p:cNvPr>
-          <p:cNvSpPr/>
-          <p:nvPr/>
-        </p:nvSpPr>
-        <p:spPr>
-          <a:xfrm>
-            <a:off x="693802" y="2329132"/>
-            <a:ext cx="914400" cy="914400"/>
-          </a:xfrm>
-          <a:prstGeom prst="ellipse">
-            <a:avLst/>
-          </a:prstGeom>
-        </p:spPr>
-        <p:style>
-          <a:lnRef idx="1">
-            <a:schemeClr val="accent4"/>
-          </a:lnRef>
-          <a:fillRef idx="2">
-            <a:schemeClr val="accent4"/>
-          </a:fillRef>
-          <a:effectRef idx="1">
-            <a:schemeClr val="accent4"/>
-          </a:effectRef>
-          <a:fontRef idx="minor">
-            <a:schemeClr val="dk1"/>
-          </a:fontRef>
-        </p:style>
-        <p:txBody>
-          <a:bodyPr rtlCol="0" anchor="ctr"/>
-          <a:lstStyle/>
-          <a:p>
-            <a:pPr algn="ctr"/>
-            <a:r>
-              <a:rPr lang="en-US" b="1" dirty="0"/>
-              <a:t>U</a:t>
-            </a:r>
-            <a:r>
-              <a:rPr lang="en-US" b="1" baseline="-25000" dirty="0"/>
-              <a:t>1..n</a:t>
-            </a:r>
-            <a:endParaRPr lang="en-US" b="1" dirty="0"/>
-          </a:p>
-        </p:txBody>
-      </p:sp>
-      <p:sp>
-        <p:nvSpPr>
-          <p:cNvPr id="14" name="Oval 13">
-            <a:extLst>
-              <a:ext uri="{FF2B5EF4-FFF2-40B4-BE49-F238E27FC236}">
-                <a16:creationId xmlns:a16="http://schemas.microsoft.com/office/drawing/2014/main" id="{73C72C69-DD27-4949-9CBD-7D8DDBF3F17B}"/>
-              </a:ext>
-            </a:extLst>
-          </p:cNvPr>
-          <p:cNvSpPr/>
-          <p:nvPr/>
-        </p:nvSpPr>
-        <p:spPr>
-          <a:xfrm>
-            <a:off x="6569085" y="689518"/>
-            <a:ext cx="914400" cy="914400"/>
-          </a:xfrm>
-          <a:prstGeom prst="ellipse">
-            <a:avLst/>
-          </a:prstGeom>
-        </p:spPr>
-        <p:style>
-          <a:lnRef idx="1">
-            <a:schemeClr val="accent5"/>
-          </a:lnRef>
-          <a:fillRef idx="2">
-            <a:schemeClr val="accent5"/>
-          </a:fillRef>
-          <a:effectRef idx="1">
-            <a:schemeClr val="accent5"/>
-          </a:effectRef>
-          <a:fontRef idx="minor">
-            <a:schemeClr val="dk1"/>
-          </a:fontRef>
-        </p:style>
-        <p:txBody>
-          <a:bodyPr rtlCol="0" anchor="ctr"/>
-          <a:lstStyle/>
-          <a:p>
-            <a:pPr algn="ctr"/>
-            <a:r>
-              <a:rPr lang="en-US" b="1" dirty="0"/>
-              <a:t>A</a:t>
-            </a:r>
-          </a:p>
-        </p:txBody>
-      </p:sp>
-      <p:sp>
-        <p:nvSpPr>
-          <p:cNvPr id="15" name="Oval 14">
-            <a:extLst>
-              <a:ext uri="{FF2B5EF4-FFF2-40B4-BE49-F238E27FC236}">
-                <a16:creationId xmlns:a16="http://schemas.microsoft.com/office/drawing/2014/main" id="{9C022FF6-8FC3-2B41-8088-22E65BD06DE0}"/>
-              </a:ext>
-            </a:extLst>
-          </p:cNvPr>
-          <p:cNvSpPr/>
-          <p:nvPr/>
-        </p:nvSpPr>
-        <p:spPr>
-          <a:xfrm>
-            <a:off x="6569085" y="1871932"/>
-            <a:ext cx="914400" cy="914400"/>
-          </a:xfrm>
-          <a:prstGeom prst="ellipse">
-            <a:avLst/>
-          </a:prstGeom>
-        </p:spPr>
-        <p:style>
-          <a:lnRef idx="1">
-            <a:schemeClr val="accent5"/>
-          </a:lnRef>
-          <a:fillRef idx="2">
-            <a:schemeClr val="accent5"/>
-          </a:fillRef>
-          <a:effectRef idx="1">
-            <a:schemeClr val="accent5"/>
-          </a:effectRef>
-          <a:fontRef idx="minor">
-            <a:schemeClr val="dk1"/>
-          </a:fontRef>
-        </p:style>
-        <p:txBody>
-          <a:bodyPr rtlCol="0" anchor="ctr"/>
-          <a:lstStyle/>
-          <a:p>
-            <a:pPr algn="ctr"/>
-            <a:r>
-              <a:rPr lang="en-US" b="1" dirty="0"/>
-              <a:t>B</a:t>
-            </a:r>
-          </a:p>
-        </p:txBody>
-      </p:sp>
-      <p:sp>
-        <p:nvSpPr>
-          <p:cNvPr id="16" name="Oval 15">
-            <a:extLst>
-              <a:ext uri="{FF2B5EF4-FFF2-40B4-BE49-F238E27FC236}">
-                <a16:creationId xmlns:a16="http://schemas.microsoft.com/office/drawing/2014/main" id="{67433A7E-0A40-754B-B22B-3B0FA078AACF}"/>
-              </a:ext>
-            </a:extLst>
-          </p:cNvPr>
-          <p:cNvSpPr/>
-          <p:nvPr/>
-        </p:nvSpPr>
-        <p:spPr>
-          <a:xfrm>
-            <a:off x="6569085" y="3054346"/>
-            <a:ext cx="914400" cy="914400"/>
-          </a:xfrm>
-          <a:prstGeom prst="ellipse">
-            <a:avLst/>
-          </a:prstGeom>
-        </p:spPr>
-        <p:style>
-          <a:lnRef idx="1">
-            <a:schemeClr val="accent5"/>
-          </a:lnRef>
-          <a:fillRef idx="2">
-            <a:schemeClr val="accent5"/>
-          </a:fillRef>
-          <a:effectRef idx="1">
-            <a:schemeClr val="accent5"/>
-          </a:effectRef>
-          <a:fontRef idx="minor">
-            <a:schemeClr val="dk1"/>
-          </a:fontRef>
-        </p:style>
-        <p:txBody>
-          <a:bodyPr rtlCol="0" anchor="ctr"/>
-          <a:lstStyle/>
-          <a:p>
-            <a:pPr algn="ctr"/>
-            <a:r>
-              <a:rPr lang="en-US" b="1" dirty="0"/>
-              <a:t>C</a:t>
-            </a:r>
-          </a:p>
-        </p:txBody>
-      </p:sp>
-      <p:sp>
-        <p:nvSpPr>
-          <p:cNvPr id="17" name="Oval 16">
-            <a:extLst>
-              <a:ext uri="{FF2B5EF4-FFF2-40B4-BE49-F238E27FC236}">
-                <a16:creationId xmlns:a16="http://schemas.microsoft.com/office/drawing/2014/main" id="{014B57B4-0719-BC48-9A10-6CC7923C20FC}"/>
-              </a:ext>
-            </a:extLst>
-          </p:cNvPr>
-          <p:cNvSpPr/>
-          <p:nvPr/>
-        </p:nvSpPr>
-        <p:spPr>
-          <a:xfrm>
-            <a:off x="6569085" y="4236760"/>
-            <a:ext cx="914400" cy="914400"/>
-          </a:xfrm>
-          <a:prstGeom prst="ellipse">
-            <a:avLst/>
-          </a:prstGeom>
-        </p:spPr>
-        <p:style>
-          <a:lnRef idx="1">
-            <a:schemeClr val="accent5"/>
-          </a:lnRef>
-          <a:fillRef idx="2">
-            <a:schemeClr val="accent5"/>
-          </a:fillRef>
-          <a:effectRef idx="1">
-            <a:schemeClr val="accent5"/>
-          </a:effectRef>
-          <a:fontRef idx="minor">
-            <a:schemeClr val="dk1"/>
-          </a:fontRef>
-        </p:style>
-        <p:txBody>
-          <a:bodyPr rtlCol="0" anchor="ctr"/>
-          <a:lstStyle/>
-          <a:p>
-            <a:pPr algn="ctr"/>
-            <a:r>
-              <a:rPr lang="en-US" b="1" dirty="0"/>
-              <a:t>D</a:t>
-            </a:r>
-          </a:p>
-        </p:txBody>
-      </p:sp>
-      <p:sp>
-        <p:nvSpPr>
-          <p:cNvPr id="18" name="Oval 17">
-            <a:extLst>
-              <a:ext uri="{FF2B5EF4-FFF2-40B4-BE49-F238E27FC236}">
-                <a16:creationId xmlns:a16="http://schemas.microsoft.com/office/drawing/2014/main" id="{A5B99E91-1C29-C046-B065-67A452BCDA35}"/>
-              </a:ext>
-            </a:extLst>
-          </p:cNvPr>
-          <p:cNvSpPr/>
-          <p:nvPr/>
-        </p:nvSpPr>
-        <p:spPr>
-          <a:xfrm>
-            <a:off x="4556354" y="2329132"/>
-            <a:ext cx="914400" cy="914400"/>
-          </a:xfrm>
-          <a:prstGeom prst="ellipse">
-            <a:avLst/>
-          </a:prstGeom>
-        </p:spPr>
-        <p:style>
-          <a:lnRef idx="1">
-            <a:schemeClr val="accent4"/>
-          </a:lnRef>
-          <a:fillRef idx="2">
-            <a:schemeClr val="accent4"/>
-          </a:fillRef>
-          <a:effectRef idx="1">
-            <a:schemeClr val="accent4"/>
-          </a:effectRef>
-          <a:fontRef idx="minor">
-            <a:schemeClr val="dk1"/>
-          </a:fontRef>
-        </p:style>
-        <p:txBody>
-          <a:bodyPr rtlCol="0" anchor="ctr"/>
-          <a:lstStyle/>
-          <a:p>
-            <a:pPr algn="ctr"/>
-            <a:r>
-              <a:rPr lang="en-US" b="1" dirty="0"/>
-              <a:t>U</a:t>
-            </a:r>
-            <a:r>
-              <a:rPr lang="en-US" b="1" baseline="-25000" dirty="0"/>
-              <a:t>1..n</a:t>
-            </a:r>
-            <a:endParaRPr lang="en-US" b="1" dirty="0"/>
-          </a:p>
-        </p:txBody>
-      </p:sp>
-      <p:sp>
-        <p:nvSpPr>
-          <p:cNvPr id="37" name="Diamond 36">
-            <a:extLst>
-              <a:ext uri="{FF2B5EF4-FFF2-40B4-BE49-F238E27FC236}">
-                <a16:creationId xmlns:a16="http://schemas.microsoft.com/office/drawing/2014/main" id="{3C7852E4-BBA0-0A4F-B4C8-3F5EB7D57508}"/>
-              </a:ext>
-            </a:extLst>
-          </p:cNvPr>
-          <p:cNvSpPr/>
-          <p:nvPr/>
-        </p:nvSpPr>
-        <p:spPr>
-          <a:xfrm>
-            <a:off x="1836588" y="2415843"/>
-            <a:ext cx="346842" cy="336331"/>
-          </a:xfrm>
-          <a:prstGeom prst="diamond">
-            <a:avLst/>
-          </a:prstGeom>
-        </p:spPr>
-        <p:style>
-          <a:lnRef idx="1">
-            <a:schemeClr val="accent5"/>
-          </a:lnRef>
-          <a:fillRef idx="2">
-            <a:schemeClr val="accent5"/>
-          </a:fillRef>
-          <a:effectRef idx="1">
-            <a:schemeClr val="accent5"/>
-          </a:effectRef>
-          <a:fontRef idx="minor">
-            <a:schemeClr val="dk1"/>
-          </a:fontRef>
-        </p:style>
-        <p:txBody>
-          <a:bodyPr rtlCol="0" anchor="ctr"/>
-          <a:lstStyle/>
-          <a:p>
-            <a:pPr algn="ctr"/>
-            <a:endParaRPr lang="en-US" b="1"/>
-          </a:p>
-        </p:txBody>
-      </p:sp>
-      <p:sp>
-        <p:nvSpPr>
-          <p:cNvPr id="38" name="Oval 37">
-            <a:extLst>
-              <a:ext uri="{FF2B5EF4-FFF2-40B4-BE49-F238E27FC236}">
-                <a16:creationId xmlns:a16="http://schemas.microsoft.com/office/drawing/2014/main" id="{C744B89D-4F7D-A54E-9F53-895F9200E5D5}"/>
-              </a:ext>
-            </a:extLst>
-          </p:cNvPr>
-          <p:cNvSpPr/>
-          <p:nvPr/>
-        </p:nvSpPr>
-        <p:spPr>
-          <a:xfrm>
-            <a:off x="10292160" y="689518"/>
-            <a:ext cx="914400" cy="914400"/>
-          </a:xfrm>
-          <a:prstGeom prst="ellipse">
-            <a:avLst/>
-          </a:prstGeom>
-        </p:spPr>
-        <p:style>
-          <a:lnRef idx="1">
-            <a:schemeClr val="accent5"/>
-          </a:lnRef>
-          <a:fillRef idx="2">
-            <a:schemeClr val="accent5"/>
-          </a:fillRef>
-          <a:effectRef idx="1">
-            <a:schemeClr val="accent5"/>
-          </a:effectRef>
-          <a:fontRef idx="minor">
-            <a:schemeClr val="dk1"/>
-          </a:fontRef>
-        </p:style>
-        <p:txBody>
-          <a:bodyPr rtlCol="0" anchor="ctr"/>
-          <a:lstStyle/>
-          <a:p>
-            <a:pPr algn="ctr"/>
-            <a:r>
-              <a:rPr lang="en-US" b="1" dirty="0"/>
-              <a:t>A</a:t>
-            </a:r>
-          </a:p>
-        </p:txBody>
-      </p:sp>
-      <p:sp>
-        <p:nvSpPr>
-          <p:cNvPr id="39" name="Oval 38">
-            <a:extLst>
-              <a:ext uri="{FF2B5EF4-FFF2-40B4-BE49-F238E27FC236}">
-                <a16:creationId xmlns:a16="http://schemas.microsoft.com/office/drawing/2014/main" id="{D90E74EA-DF5A-D742-871D-42E75970341A}"/>
-              </a:ext>
-            </a:extLst>
-          </p:cNvPr>
-          <p:cNvSpPr/>
-          <p:nvPr/>
-        </p:nvSpPr>
-        <p:spPr>
-          <a:xfrm>
-            <a:off x="10292160" y="1871932"/>
-            <a:ext cx="914400" cy="914400"/>
-          </a:xfrm>
-          <a:prstGeom prst="ellipse">
-            <a:avLst/>
-          </a:prstGeom>
-        </p:spPr>
-        <p:style>
-          <a:lnRef idx="1">
-            <a:schemeClr val="accent5"/>
-          </a:lnRef>
-          <a:fillRef idx="2">
-            <a:schemeClr val="accent5"/>
-          </a:fillRef>
-          <a:effectRef idx="1">
-            <a:schemeClr val="accent5"/>
-          </a:effectRef>
-          <a:fontRef idx="minor">
-            <a:schemeClr val="dk1"/>
-          </a:fontRef>
-        </p:style>
-        <p:txBody>
-          <a:bodyPr rtlCol="0" anchor="ctr"/>
-          <a:lstStyle/>
-          <a:p>
-            <a:pPr algn="ctr"/>
-            <a:r>
-              <a:rPr lang="en-US" b="1" dirty="0"/>
-              <a:t>B</a:t>
-            </a:r>
-          </a:p>
-        </p:txBody>
-      </p:sp>
-      <p:sp>
-        <p:nvSpPr>
-          <p:cNvPr id="40" name="Oval 39">
-            <a:extLst>
-              <a:ext uri="{FF2B5EF4-FFF2-40B4-BE49-F238E27FC236}">
-                <a16:creationId xmlns:a16="http://schemas.microsoft.com/office/drawing/2014/main" id="{2870BB96-4795-0045-889A-D3B61F01297D}"/>
-              </a:ext>
-            </a:extLst>
-          </p:cNvPr>
-          <p:cNvSpPr/>
-          <p:nvPr/>
-        </p:nvSpPr>
-        <p:spPr>
-          <a:xfrm>
-            <a:off x="10292160" y="3054346"/>
-            <a:ext cx="914400" cy="914400"/>
-          </a:xfrm>
-          <a:prstGeom prst="ellipse">
-            <a:avLst/>
-          </a:prstGeom>
-        </p:spPr>
-        <p:style>
-          <a:lnRef idx="1">
-            <a:schemeClr val="accent5"/>
-          </a:lnRef>
-          <a:fillRef idx="2">
-            <a:schemeClr val="accent5"/>
-          </a:fillRef>
-          <a:effectRef idx="1">
-            <a:schemeClr val="accent5"/>
-          </a:effectRef>
-          <a:fontRef idx="minor">
-            <a:schemeClr val="dk1"/>
-          </a:fontRef>
-        </p:style>
-        <p:txBody>
-          <a:bodyPr rtlCol="0" anchor="ctr"/>
-          <a:lstStyle/>
-          <a:p>
-            <a:pPr algn="ctr"/>
-            <a:r>
-              <a:rPr lang="en-US" b="1" dirty="0"/>
-              <a:t>C</a:t>
-            </a:r>
-          </a:p>
-        </p:txBody>
-      </p:sp>
-      <p:sp>
-        <p:nvSpPr>
-          <p:cNvPr id="41" name="Oval 40">
-            <a:extLst>
-              <a:ext uri="{FF2B5EF4-FFF2-40B4-BE49-F238E27FC236}">
-                <a16:creationId xmlns:a16="http://schemas.microsoft.com/office/drawing/2014/main" id="{5003BDE7-9BB0-BA44-8E9F-F4E2ABC8D927}"/>
-              </a:ext>
-            </a:extLst>
-          </p:cNvPr>
-          <p:cNvSpPr/>
-          <p:nvPr/>
-        </p:nvSpPr>
-        <p:spPr>
-          <a:xfrm>
-            <a:off x="10292160" y="4236760"/>
-            <a:ext cx="914400" cy="914400"/>
-          </a:xfrm>
-          <a:prstGeom prst="ellipse">
-            <a:avLst/>
-          </a:prstGeom>
-        </p:spPr>
-        <p:style>
-          <a:lnRef idx="1">
-            <a:schemeClr val="accent5"/>
-          </a:lnRef>
-          <a:fillRef idx="2">
-            <a:schemeClr val="accent5"/>
-          </a:fillRef>
-          <a:effectRef idx="1">
-            <a:schemeClr val="accent5"/>
-          </a:effectRef>
-          <a:fontRef idx="minor">
-            <a:schemeClr val="dk1"/>
-          </a:fontRef>
-        </p:style>
-        <p:txBody>
-          <a:bodyPr rtlCol="0" anchor="ctr"/>
-          <a:lstStyle/>
-          <a:p>
-            <a:pPr algn="ctr"/>
-            <a:r>
-              <a:rPr lang="en-US" b="1" dirty="0"/>
-              <a:t>D</a:t>
-            </a:r>
-          </a:p>
-        </p:txBody>
-      </p:sp>
-      <p:sp>
-        <p:nvSpPr>
-          <p:cNvPr id="42" name="Oval 41">
-            <a:extLst>
-              <a:ext uri="{FF2B5EF4-FFF2-40B4-BE49-F238E27FC236}">
-                <a16:creationId xmlns:a16="http://schemas.microsoft.com/office/drawing/2014/main" id="{4E7916FE-6EA6-804E-B291-5FF0C0837123}"/>
-              </a:ext>
-            </a:extLst>
-          </p:cNvPr>
-          <p:cNvSpPr/>
-          <p:nvPr/>
-        </p:nvSpPr>
-        <p:spPr>
-          <a:xfrm>
-            <a:off x="8279429" y="2329132"/>
-            <a:ext cx="914400" cy="914400"/>
-          </a:xfrm>
-          <a:prstGeom prst="ellipse">
-            <a:avLst/>
-          </a:prstGeom>
-        </p:spPr>
-        <p:style>
-          <a:lnRef idx="1">
-            <a:schemeClr val="accent4"/>
-          </a:lnRef>
-          <a:fillRef idx="2">
-            <a:schemeClr val="accent4"/>
-          </a:fillRef>
-          <a:effectRef idx="1">
-            <a:schemeClr val="accent4"/>
-          </a:effectRef>
-          <a:fontRef idx="minor">
-            <a:schemeClr val="dk1"/>
-          </a:fontRef>
-        </p:style>
-        <p:txBody>
-          <a:bodyPr rtlCol="0" anchor="ctr"/>
-          <a:lstStyle/>
-          <a:p>
-            <a:pPr algn="ctr"/>
-            <a:r>
-              <a:rPr lang="en-US" b="1" dirty="0"/>
-              <a:t>U</a:t>
-            </a:r>
-            <a:r>
-              <a:rPr lang="en-US" b="1" baseline="-25000" dirty="0"/>
-              <a:t>1..n</a:t>
-            </a:r>
-            <a:endParaRPr lang="en-US" b="1" dirty="0"/>
-          </a:p>
-        </p:txBody>
-      </p:sp>
-      <p:cxnSp>
-        <p:nvCxnSpPr>
-          <p:cNvPr id="43" name="Elbow Connector 42">
-            <a:extLst>
-              <a:ext uri="{FF2B5EF4-FFF2-40B4-BE49-F238E27FC236}">
-                <a16:creationId xmlns:a16="http://schemas.microsoft.com/office/drawing/2014/main" id="{751E9F9D-F9B5-4744-9B2B-D63080D4C828}"/>
-              </a:ext>
-            </a:extLst>
-          </p:cNvPr>
-          <p:cNvCxnSpPr>
-            <a:cxnSpLocks/>
-            <a:stCxn id="42" idx="6"/>
-            <a:endCxn id="38" idx="2"/>
-          </p:cNvCxnSpPr>
-          <p:nvPr/>
-        </p:nvCxnSpPr>
-        <p:spPr>
-          <a:xfrm flipV="1">
-            <a:off x="9193829" y="1146718"/>
-            <a:ext cx="1098331" cy="1639614"/>
-          </a:xfrm>
-          <a:prstGeom prst="bentConnector3">
-            <a:avLst>
-              <a:gd name="adj1" fmla="val 50000"/>
-            </a:avLst>
-          </a:prstGeom>
-          <a:ln w="38100">
-            <a:headEnd type="triangle"/>
-            <a:tailEnd type="triangle"/>
-          </a:ln>
-        </p:spPr>
-        <p:style>
-          <a:lnRef idx="1">
-            <a:schemeClr val="accent1"/>
-          </a:lnRef>
-          <a:fillRef idx="0">
-            <a:schemeClr val="accent1"/>
-          </a:fillRef>
-          <a:effectRef idx="0">
-            <a:schemeClr val="accent1"/>
-          </a:effectRef>
-          <a:fontRef idx="minor">
-            <a:schemeClr val="tx1"/>
-          </a:fontRef>
-        </p:style>
-      </p:cxnSp>
-      <p:cxnSp>
-        <p:nvCxnSpPr>
-          <p:cNvPr id="44" name="Elbow Connector 43">
-            <a:extLst>
-              <a:ext uri="{FF2B5EF4-FFF2-40B4-BE49-F238E27FC236}">
-                <a16:creationId xmlns:a16="http://schemas.microsoft.com/office/drawing/2014/main" id="{042DB60F-2792-DF46-9DE9-3D84CD519059}"/>
-              </a:ext>
-            </a:extLst>
-          </p:cNvPr>
-          <p:cNvCxnSpPr>
-            <a:cxnSpLocks/>
-            <a:endCxn id="40" idx="2"/>
-          </p:cNvCxnSpPr>
-          <p:nvPr/>
-        </p:nvCxnSpPr>
-        <p:spPr>
-          <a:xfrm>
-            <a:off x="9193829" y="2786332"/>
-            <a:ext cx="1098331" cy="725214"/>
-          </a:xfrm>
-          <a:prstGeom prst="bentConnector3">
-            <a:avLst>
-              <a:gd name="adj1" fmla="val 50000"/>
-            </a:avLst>
-          </a:prstGeom>
-          <a:ln w="38100">
-            <a:headEnd type="triangle"/>
-            <a:tailEnd type="triangle"/>
-          </a:ln>
-        </p:spPr>
-        <p:style>
-          <a:lnRef idx="1">
-            <a:schemeClr val="accent1"/>
-          </a:lnRef>
-          <a:fillRef idx="0">
-            <a:schemeClr val="accent1"/>
-          </a:fillRef>
-          <a:effectRef idx="0">
-            <a:schemeClr val="accent1"/>
-          </a:effectRef>
-          <a:fontRef idx="minor">
-            <a:schemeClr val="tx1"/>
-          </a:fontRef>
-        </p:style>
-      </p:cxnSp>
-      <p:cxnSp>
-        <p:nvCxnSpPr>
-          <p:cNvPr id="45" name="Elbow Connector 44">
-            <a:extLst>
-              <a:ext uri="{FF2B5EF4-FFF2-40B4-BE49-F238E27FC236}">
-                <a16:creationId xmlns:a16="http://schemas.microsoft.com/office/drawing/2014/main" id="{78BE438D-EAD5-5E4A-A5F5-DEDF8067F97C}"/>
-              </a:ext>
-            </a:extLst>
-          </p:cNvPr>
-          <p:cNvCxnSpPr>
-            <a:cxnSpLocks/>
-            <a:stCxn id="42" idx="6"/>
-            <a:endCxn id="39" idx="2"/>
-          </p:cNvCxnSpPr>
-          <p:nvPr/>
-        </p:nvCxnSpPr>
-        <p:spPr>
-          <a:xfrm flipV="1">
-            <a:off x="9193829" y="2329132"/>
-            <a:ext cx="1098331" cy="457200"/>
-          </a:xfrm>
-          <a:prstGeom prst="bentConnector3">
-            <a:avLst>
-              <a:gd name="adj1" fmla="val 50000"/>
-            </a:avLst>
-          </a:prstGeom>
-          <a:ln w="38100">
-            <a:headEnd type="triangle"/>
-            <a:tailEnd type="triangle"/>
-          </a:ln>
-        </p:spPr>
-        <p:style>
-          <a:lnRef idx="1">
-            <a:schemeClr val="accent1"/>
-          </a:lnRef>
-          <a:fillRef idx="0">
-            <a:schemeClr val="accent1"/>
-          </a:fillRef>
-          <a:effectRef idx="0">
-            <a:schemeClr val="accent1"/>
-          </a:effectRef>
-          <a:fontRef idx="minor">
-            <a:schemeClr val="tx1"/>
-          </a:fontRef>
-        </p:style>
-      </p:cxnSp>
-      <p:cxnSp>
-        <p:nvCxnSpPr>
-          <p:cNvPr id="46" name="Elbow Connector 45">
-            <a:extLst>
-              <a:ext uri="{FF2B5EF4-FFF2-40B4-BE49-F238E27FC236}">
-                <a16:creationId xmlns:a16="http://schemas.microsoft.com/office/drawing/2014/main" id="{FA1FFBBA-4849-1642-8856-F367FBBE4137}"/>
-              </a:ext>
-            </a:extLst>
-          </p:cNvPr>
-          <p:cNvCxnSpPr>
-            <a:cxnSpLocks/>
-            <a:stCxn id="42" idx="6"/>
-            <a:endCxn id="41" idx="2"/>
-          </p:cNvCxnSpPr>
-          <p:nvPr/>
-        </p:nvCxnSpPr>
-        <p:spPr>
-          <a:xfrm>
-            <a:off x="9193829" y="2786332"/>
-            <a:ext cx="1098331" cy="1907628"/>
-          </a:xfrm>
-          <a:prstGeom prst="bentConnector3">
-            <a:avLst>
-              <a:gd name="adj1" fmla="val 50000"/>
-            </a:avLst>
-          </a:prstGeom>
-          <a:ln w="38100">
-            <a:headEnd type="triangle"/>
-            <a:tailEnd type="triangle"/>
-          </a:ln>
-        </p:spPr>
-        <p:style>
-          <a:lnRef idx="1">
-            <a:schemeClr val="accent1"/>
-          </a:lnRef>
-          <a:fillRef idx="0">
-            <a:schemeClr val="accent1"/>
-          </a:fillRef>
-          <a:effectRef idx="0">
-            <a:schemeClr val="accent1"/>
-          </a:effectRef>
-          <a:fontRef idx="minor">
-            <a:schemeClr val="tx1"/>
-          </a:fontRef>
-        </p:style>
-      </p:cxnSp>
-      <p:sp>
-        <p:nvSpPr>
-          <p:cNvPr id="48" name="TextBox 47">
-            <a:extLst>
-              <a:ext uri="{FF2B5EF4-FFF2-40B4-BE49-F238E27FC236}">
-                <a16:creationId xmlns:a16="http://schemas.microsoft.com/office/drawing/2014/main" id="{B480B65B-3862-8346-A168-198EE582AA56}"/>
-              </a:ext>
-            </a:extLst>
-          </p:cNvPr>
-          <p:cNvSpPr txBox="1"/>
-          <p:nvPr/>
-        </p:nvSpPr>
-        <p:spPr>
-          <a:xfrm>
-            <a:off x="9468506" y="5491419"/>
-            <a:ext cx="1346394" cy="369332"/>
-          </a:xfrm>
-          <a:prstGeom prst="rect">
-            <a:avLst/>
-          </a:prstGeom>
-          <a:noFill/>
-        </p:spPr>
-        <p:txBody>
-          <a:bodyPr wrap="none" rtlCol="0">
-            <a:spAutoFit/>
-          </a:bodyPr>
-          <a:lstStyle/>
-          <a:p>
-            <a:r>
-              <a:rPr lang="en-US" dirty="0"/>
-              <a:t>Cooperation</a:t>
-            </a:r>
-          </a:p>
-        </p:txBody>
-      </p:sp>
-      <p:cxnSp>
-        <p:nvCxnSpPr>
-          <p:cNvPr id="53" name="Straight Arrow Connector 52">
-            <a:extLst>
-              <a:ext uri="{FF2B5EF4-FFF2-40B4-BE49-F238E27FC236}">
-                <a16:creationId xmlns:a16="http://schemas.microsoft.com/office/drawing/2014/main" id="{EA835457-8FB9-BB47-8F5D-1911287D8E5A}"/>
-              </a:ext>
-            </a:extLst>
-          </p:cNvPr>
-          <p:cNvCxnSpPr>
-            <a:cxnSpLocks/>
-          </p:cNvCxnSpPr>
-          <p:nvPr/>
-        </p:nvCxnSpPr>
-        <p:spPr>
-          <a:xfrm flipH="1">
-            <a:off x="9193829" y="2957093"/>
-            <a:ext cx="534066" cy="0"/>
-          </a:xfrm>
-          <a:prstGeom prst="straightConnector1">
-            <a:avLst/>
-          </a:prstGeom>
-          <a:ln w="38100">
-            <a:solidFill>
+        </p:grpSpPr>
+        <p:sp>
+          <p:nvSpPr>
+            <p:cNvPr id="10" name="Left Bracket 9">
+              <a:extLst>
+                <a:ext uri="{FF2B5EF4-FFF2-40B4-BE49-F238E27FC236}">
+                  <a16:creationId xmlns:a16="http://schemas.microsoft.com/office/drawing/2014/main" id="{C6C7AEE4-248A-6940-A952-0DE8B14F12A0}"/>
+                </a:ext>
+              </a:extLst>
+            </p:cNvPr>
+            <p:cNvSpPr/>
+            <p:nvPr/>
+          </p:nvSpPr>
+          <p:spPr>
+            <a:xfrm>
+              <a:off x="2010010" y="1088769"/>
+              <a:ext cx="346842" cy="3573518"/>
+            </a:xfrm>
+            <a:prstGeom prst="leftBracket">
+              <a:avLst/>
+            </a:prstGeom>
+            <a:ln w="38100"/>
+          </p:spPr>
+          <p:style>
+            <a:lnRef idx="3">
+              <a:schemeClr val="dk1"/>
+            </a:lnRef>
+            <a:fillRef idx="0">
+              <a:schemeClr val="dk1"/>
+            </a:fillRef>
+            <a:effectRef idx="2">
+              <a:schemeClr val="dk1"/>
+            </a:effectRef>
+            <a:fontRef idx="minor">
+              <a:schemeClr val="tx1"/>
+            </a:fontRef>
+          </p:style>
+          <p:txBody>
+            <a:bodyPr rtlCol="0" anchor="ctr"/>
+            <a:lstStyle/>
+            <a:p>
+              <a:pPr algn="ctr"/>
+              <a:endParaRPr lang="en-US" b="1"/>
+            </a:p>
+          </p:txBody>
+        </p:sp>
+        <p:cxnSp>
+          <p:nvCxnSpPr>
+            <p:cNvPr id="12" name="Straight Arrow Connector 11">
+              <a:extLst>
+                <a:ext uri="{FF2B5EF4-FFF2-40B4-BE49-F238E27FC236}">
+                  <a16:creationId xmlns:a16="http://schemas.microsoft.com/office/drawing/2014/main" id="{04C66EAC-BE32-0E4F-BCDE-4CDF96DA8A5D}"/>
+                </a:ext>
+              </a:extLst>
+            </p:cNvPr>
+            <p:cNvCxnSpPr>
+              <a:stCxn id="8" idx="6"/>
+              <a:endCxn id="5" idx="2"/>
+            </p:cNvCxnSpPr>
+            <p:nvPr/>
+          </p:nvCxnSpPr>
+          <p:spPr>
+            <a:xfrm flipV="1">
+              <a:off x="1608202" y="2329132"/>
+              <a:ext cx="1098331" cy="457200"/>
+            </a:xfrm>
+            <a:prstGeom prst="straightConnector1">
+              <a:avLst/>
+            </a:prstGeom>
+            <a:ln w="38100">
+              <a:tailEnd type="triangle"/>
+            </a:ln>
+          </p:spPr>
+          <p:style>
+            <a:lnRef idx="3">
+              <a:schemeClr val="dk1"/>
+            </a:lnRef>
+            <a:fillRef idx="0">
+              <a:schemeClr val="dk1"/>
+            </a:fillRef>
+            <a:effectRef idx="2">
+              <a:schemeClr val="dk1"/>
+            </a:effectRef>
+            <a:fontRef idx="minor">
+              <a:schemeClr val="tx1"/>
+            </a:fontRef>
+          </p:style>
+        </p:cxnSp>
+        <p:cxnSp>
+          <p:nvCxnSpPr>
+            <p:cNvPr id="23" name="Elbow Connector 22">
+              <a:extLst>
+                <a:ext uri="{FF2B5EF4-FFF2-40B4-BE49-F238E27FC236}">
+                  <a16:creationId xmlns:a16="http://schemas.microsoft.com/office/drawing/2014/main" id="{9045E35B-F065-8443-8F61-A88EDBCA6875}"/>
+                </a:ext>
+              </a:extLst>
+            </p:cNvPr>
+            <p:cNvCxnSpPr>
+              <a:cxnSpLocks/>
+              <a:stCxn id="18" idx="6"/>
+              <a:endCxn id="14" idx="2"/>
+            </p:cNvCxnSpPr>
+            <p:nvPr/>
+          </p:nvCxnSpPr>
+          <p:spPr>
+            <a:xfrm flipV="1">
+              <a:off x="5470754" y="1146718"/>
+              <a:ext cx="1098331" cy="1639614"/>
+            </a:xfrm>
+            <a:prstGeom prst="bentConnector3">
+              <a:avLst>
+                <a:gd name="adj1" fmla="val 50000"/>
+              </a:avLst>
+            </a:prstGeom>
+            <a:ln w="38100">
+              <a:headEnd type="triangle"/>
+              <a:tailEnd type="triangle"/>
+            </a:ln>
+          </p:spPr>
+          <p:style>
+            <a:lnRef idx="1">
               <a:schemeClr val="accent1"/>
-            </a:solidFill>
-            <a:tailEnd type="triangle"/>
-          </a:ln>
-        </p:spPr>
-        <p:style>
-          <a:lnRef idx="3">
-            <a:schemeClr val="dk1"/>
-          </a:lnRef>
-          <a:fillRef idx="0">
-            <a:schemeClr val="dk1"/>
-          </a:fillRef>
-          <a:effectRef idx="2">
-            <a:schemeClr val="dk1"/>
-          </a:effectRef>
-          <a:fontRef idx="minor">
-            <a:schemeClr val="tx1"/>
-          </a:fontRef>
-        </p:style>
-      </p:cxnSp>
-      <p:cxnSp>
-        <p:nvCxnSpPr>
-          <p:cNvPr id="55" name="Straight Arrow Connector 54">
-            <a:extLst>
-              <a:ext uri="{FF2B5EF4-FFF2-40B4-BE49-F238E27FC236}">
-                <a16:creationId xmlns:a16="http://schemas.microsoft.com/office/drawing/2014/main" id="{D054A042-7B4A-4240-9C1C-F48AE7E3A68E}"/>
-              </a:ext>
-            </a:extLst>
-          </p:cNvPr>
-          <p:cNvCxnSpPr>
-            <a:cxnSpLocks/>
-          </p:cNvCxnSpPr>
-          <p:nvPr/>
-        </p:nvCxnSpPr>
-        <p:spPr>
-          <a:xfrm flipH="1">
-            <a:off x="9201473" y="2613734"/>
-            <a:ext cx="534066" cy="0"/>
-          </a:xfrm>
-          <a:prstGeom prst="straightConnector1">
-            <a:avLst/>
-          </a:prstGeom>
-          <a:ln w="38100">
-            <a:solidFill>
+            </a:lnRef>
+            <a:fillRef idx="0">
               <a:schemeClr val="accent1"/>
-            </a:solidFill>
-            <a:tailEnd type="triangle"/>
-          </a:ln>
-        </p:spPr>
-        <p:style>
-          <a:lnRef idx="3">
-            <a:schemeClr val="dk1"/>
-          </a:lnRef>
-          <a:fillRef idx="0">
-            <a:schemeClr val="dk1"/>
-          </a:fillRef>
-          <a:effectRef idx="2">
-            <a:schemeClr val="dk1"/>
-          </a:effectRef>
-          <a:fontRef idx="minor">
-            <a:schemeClr val="tx1"/>
-          </a:fontRef>
-        </p:style>
-      </p:cxnSp>
-      <p:cxnSp>
-        <p:nvCxnSpPr>
-          <p:cNvPr id="56" name="Straight Arrow Connector 55">
-            <a:extLst>
-              <a:ext uri="{FF2B5EF4-FFF2-40B4-BE49-F238E27FC236}">
-                <a16:creationId xmlns:a16="http://schemas.microsoft.com/office/drawing/2014/main" id="{CA009CAE-AB70-204B-B8DC-90D3B76BFB7B}"/>
-              </a:ext>
-            </a:extLst>
-          </p:cNvPr>
-          <p:cNvCxnSpPr>
-            <a:cxnSpLocks/>
-          </p:cNvCxnSpPr>
-          <p:nvPr/>
-        </p:nvCxnSpPr>
-        <p:spPr>
-          <a:xfrm flipH="1">
-            <a:off x="9201473" y="3133363"/>
-            <a:ext cx="534066" cy="0"/>
-          </a:xfrm>
-          <a:prstGeom prst="straightConnector1">
-            <a:avLst/>
-          </a:prstGeom>
-          <a:ln w="38100">
-            <a:solidFill>
+            </a:fillRef>
+            <a:effectRef idx="0">
               <a:schemeClr val="accent1"/>
-            </a:solidFill>
-            <a:tailEnd type="triangle"/>
-          </a:ln>
-        </p:spPr>
-        <p:style>
-          <a:lnRef idx="3">
-            <a:schemeClr val="dk1"/>
-          </a:lnRef>
-          <a:fillRef idx="0">
-            <a:schemeClr val="dk1"/>
-          </a:fillRef>
-          <a:effectRef idx="2">
-            <a:schemeClr val="dk1"/>
-          </a:effectRef>
-          <a:fontRef idx="minor">
-            <a:schemeClr val="tx1"/>
-          </a:fontRef>
-        </p:style>
-      </p:cxnSp>
+            </a:effectRef>
+            <a:fontRef idx="minor">
+              <a:schemeClr val="tx1"/>
+            </a:fontRef>
+          </p:style>
+        </p:cxnSp>
+        <p:cxnSp>
+          <p:nvCxnSpPr>
+            <p:cNvPr id="26" name="Elbow Connector 25">
+              <a:extLst>
+                <a:ext uri="{FF2B5EF4-FFF2-40B4-BE49-F238E27FC236}">
+                  <a16:creationId xmlns:a16="http://schemas.microsoft.com/office/drawing/2014/main" id="{B255E9A5-60C5-C84C-951A-DF5BFE8C9477}"/>
+                </a:ext>
+              </a:extLst>
+            </p:cNvPr>
+            <p:cNvCxnSpPr>
+              <a:cxnSpLocks/>
+              <a:endCxn id="16" idx="2"/>
+            </p:cNvCxnSpPr>
+            <p:nvPr/>
+          </p:nvCxnSpPr>
+          <p:spPr>
+            <a:xfrm>
+              <a:off x="5470754" y="2786332"/>
+              <a:ext cx="1098331" cy="725214"/>
+            </a:xfrm>
+            <a:prstGeom prst="bentConnector3">
+              <a:avLst>
+                <a:gd name="adj1" fmla="val 50000"/>
+              </a:avLst>
+            </a:prstGeom>
+            <a:ln w="38100">
+              <a:headEnd type="triangle"/>
+              <a:tailEnd type="triangle"/>
+            </a:ln>
+          </p:spPr>
+          <p:style>
+            <a:lnRef idx="1">
+              <a:schemeClr val="accent1"/>
+            </a:lnRef>
+            <a:fillRef idx="0">
+              <a:schemeClr val="accent1"/>
+            </a:fillRef>
+            <a:effectRef idx="0">
+              <a:schemeClr val="accent1"/>
+            </a:effectRef>
+            <a:fontRef idx="minor">
+              <a:schemeClr val="tx1"/>
+            </a:fontRef>
+          </p:style>
+        </p:cxnSp>
+        <p:cxnSp>
+          <p:nvCxnSpPr>
+            <p:cNvPr id="27" name="Elbow Connector 26">
+              <a:extLst>
+                <a:ext uri="{FF2B5EF4-FFF2-40B4-BE49-F238E27FC236}">
+                  <a16:creationId xmlns:a16="http://schemas.microsoft.com/office/drawing/2014/main" id="{05EB7099-1C71-5644-9614-3B799D611303}"/>
+                </a:ext>
+              </a:extLst>
+            </p:cNvPr>
+            <p:cNvCxnSpPr>
+              <a:cxnSpLocks/>
+              <a:stCxn id="18" idx="6"/>
+              <a:endCxn id="15" idx="2"/>
+            </p:cNvCxnSpPr>
+            <p:nvPr/>
+          </p:nvCxnSpPr>
+          <p:spPr>
+            <a:xfrm flipV="1">
+              <a:off x="5470754" y="2329132"/>
+              <a:ext cx="1098331" cy="457200"/>
+            </a:xfrm>
+            <a:prstGeom prst="bentConnector3">
+              <a:avLst>
+                <a:gd name="adj1" fmla="val 50000"/>
+              </a:avLst>
+            </a:prstGeom>
+            <a:ln w="38100">
+              <a:headEnd type="triangle"/>
+              <a:tailEnd type="triangle"/>
+            </a:ln>
+          </p:spPr>
+          <p:style>
+            <a:lnRef idx="1">
+              <a:schemeClr val="accent1"/>
+            </a:lnRef>
+            <a:fillRef idx="0">
+              <a:schemeClr val="accent1"/>
+            </a:fillRef>
+            <a:effectRef idx="0">
+              <a:schemeClr val="accent1"/>
+            </a:effectRef>
+            <a:fontRef idx="minor">
+              <a:schemeClr val="tx1"/>
+            </a:fontRef>
+          </p:style>
+        </p:cxnSp>
+        <p:cxnSp>
+          <p:nvCxnSpPr>
+            <p:cNvPr id="28" name="Elbow Connector 27">
+              <a:extLst>
+                <a:ext uri="{FF2B5EF4-FFF2-40B4-BE49-F238E27FC236}">
+                  <a16:creationId xmlns:a16="http://schemas.microsoft.com/office/drawing/2014/main" id="{5120B451-4841-A243-B830-FCAFD8FE6769}"/>
+                </a:ext>
+              </a:extLst>
+            </p:cNvPr>
+            <p:cNvCxnSpPr>
+              <a:cxnSpLocks/>
+              <a:stCxn id="18" idx="6"/>
+              <a:endCxn id="17" idx="2"/>
+            </p:cNvCxnSpPr>
+            <p:nvPr/>
+          </p:nvCxnSpPr>
+          <p:spPr>
+            <a:xfrm>
+              <a:off x="5470754" y="2786332"/>
+              <a:ext cx="1098331" cy="1907628"/>
+            </a:xfrm>
+            <a:prstGeom prst="bentConnector3">
+              <a:avLst>
+                <a:gd name="adj1" fmla="val 50000"/>
+              </a:avLst>
+            </a:prstGeom>
+            <a:ln w="38100">
+              <a:headEnd type="triangle"/>
+              <a:tailEnd type="triangle"/>
+            </a:ln>
+          </p:spPr>
+          <p:style>
+            <a:lnRef idx="1">
+              <a:schemeClr val="accent1"/>
+            </a:lnRef>
+            <a:fillRef idx="0">
+              <a:schemeClr val="accent1"/>
+            </a:fillRef>
+            <a:effectRef idx="0">
+              <a:schemeClr val="accent1"/>
+            </a:effectRef>
+            <a:fontRef idx="minor">
+              <a:schemeClr val="tx1"/>
+            </a:fontRef>
+          </p:style>
+        </p:cxnSp>
+        <p:sp>
+          <p:nvSpPr>
+            <p:cNvPr id="34" name="TextBox 33">
+              <a:extLst>
+                <a:ext uri="{FF2B5EF4-FFF2-40B4-BE49-F238E27FC236}">
+                  <a16:creationId xmlns:a16="http://schemas.microsoft.com/office/drawing/2014/main" id="{FF67FB30-EEDB-634B-A25C-36A297686EC5}"/>
+                </a:ext>
+              </a:extLst>
+            </p:cNvPr>
+            <p:cNvSpPr txBox="1"/>
+            <p:nvPr/>
+          </p:nvSpPr>
+          <p:spPr>
+            <a:xfrm>
+              <a:off x="1487270" y="5491419"/>
+              <a:ext cx="1045479" cy="369332"/>
+            </a:xfrm>
+            <a:prstGeom prst="rect">
+              <a:avLst/>
+            </a:prstGeom>
+            <a:noFill/>
+          </p:spPr>
+          <p:txBody>
+            <a:bodyPr wrap="none" rtlCol="0">
+              <a:spAutoFit/>
+            </a:bodyPr>
+            <a:lstStyle/>
+            <a:p>
+              <a:r>
+                <a:rPr lang="en-US" dirty="0"/>
+                <a:t>Selection</a:t>
+              </a:r>
+            </a:p>
+          </p:txBody>
+        </p:sp>
+        <p:sp>
+          <p:nvSpPr>
+            <p:cNvPr id="35" name="TextBox 34">
+              <a:extLst>
+                <a:ext uri="{FF2B5EF4-FFF2-40B4-BE49-F238E27FC236}">
+                  <a16:creationId xmlns:a16="http://schemas.microsoft.com/office/drawing/2014/main" id="{060304B8-BDE3-BA44-8B32-6FD7077D5104}"/>
+                </a:ext>
+              </a:extLst>
+            </p:cNvPr>
+            <p:cNvSpPr txBox="1"/>
+            <p:nvPr/>
+          </p:nvSpPr>
+          <p:spPr>
+            <a:xfrm>
+              <a:off x="5672645" y="5491419"/>
+              <a:ext cx="1353640" cy="369332"/>
+            </a:xfrm>
+            <a:prstGeom prst="rect">
+              <a:avLst/>
+            </a:prstGeom>
+            <a:noFill/>
+          </p:spPr>
+          <p:txBody>
+            <a:bodyPr wrap="none" rtlCol="0">
+              <a:spAutoFit/>
+            </a:bodyPr>
+            <a:lstStyle/>
+            <a:p>
+              <a:r>
+                <a:rPr lang="en-US" dirty="0"/>
+                <a:t>Competition</a:t>
+              </a:r>
+            </a:p>
+          </p:txBody>
+        </p:sp>
+        <p:sp>
+          <p:nvSpPr>
+            <p:cNvPr id="4" name="Oval 3">
+              <a:extLst>
+                <a:ext uri="{FF2B5EF4-FFF2-40B4-BE49-F238E27FC236}">
+                  <a16:creationId xmlns:a16="http://schemas.microsoft.com/office/drawing/2014/main" id="{4A1B713E-CCDF-9E40-8D6E-4565266404FB}"/>
+                </a:ext>
+              </a:extLst>
+            </p:cNvPr>
+            <p:cNvSpPr/>
+            <p:nvPr/>
+          </p:nvSpPr>
+          <p:spPr>
+            <a:xfrm>
+              <a:off x="2706533" y="689518"/>
+              <a:ext cx="914400" cy="914400"/>
+            </a:xfrm>
+            <a:prstGeom prst="ellipse">
+              <a:avLst/>
+            </a:prstGeom>
+          </p:spPr>
+          <p:style>
+            <a:lnRef idx="1">
+              <a:schemeClr val="accent4"/>
+            </a:lnRef>
+            <a:fillRef idx="2">
+              <a:schemeClr val="accent4"/>
+            </a:fillRef>
+            <a:effectRef idx="1">
+              <a:schemeClr val="accent4"/>
+            </a:effectRef>
+            <a:fontRef idx="minor">
+              <a:schemeClr val="dk1"/>
+            </a:fontRef>
+          </p:style>
+          <p:txBody>
+            <a:bodyPr rtlCol="0" anchor="ctr"/>
+            <a:lstStyle/>
+            <a:p>
+              <a:pPr algn="ctr"/>
+              <a:r>
+                <a:rPr lang="en-US" b="1" dirty="0"/>
+                <a:t>A</a:t>
+              </a:r>
+            </a:p>
+          </p:txBody>
+        </p:sp>
+        <p:sp>
+          <p:nvSpPr>
+            <p:cNvPr id="5" name="Oval 4">
+              <a:extLst>
+                <a:ext uri="{FF2B5EF4-FFF2-40B4-BE49-F238E27FC236}">
+                  <a16:creationId xmlns:a16="http://schemas.microsoft.com/office/drawing/2014/main" id="{912BFB0C-93E0-834C-B227-5C705D861D7A}"/>
+                </a:ext>
+              </a:extLst>
+            </p:cNvPr>
+            <p:cNvSpPr/>
+            <p:nvPr/>
+          </p:nvSpPr>
+          <p:spPr>
+            <a:xfrm>
+              <a:off x="2706533" y="1871932"/>
+              <a:ext cx="914400" cy="914400"/>
+            </a:xfrm>
+            <a:prstGeom prst="ellipse">
+              <a:avLst/>
+            </a:prstGeom>
+          </p:spPr>
+          <p:style>
+            <a:lnRef idx="1">
+              <a:schemeClr val="accent5"/>
+            </a:lnRef>
+            <a:fillRef idx="2">
+              <a:schemeClr val="accent5"/>
+            </a:fillRef>
+            <a:effectRef idx="1">
+              <a:schemeClr val="accent5"/>
+            </a:effectRef>
+            <a:fontRef idx="minor">
+              <a:schemeClr val="dk1"/>
+            </a:fontRef>
+          </p:style>
+          <p:txBody>
+            <a:bodyPr rtlCol="0" anchor="ctr"/>
+            <a:lstStyle/>
+            <a:p>
+              <a:pPr algn="ctr"/>
+              <a:r>
+                <a:rPr lang="en-US" b="1" dirty="0"/>
+                <a:t>B</a:t>
+              </a:r>
+            </a:p>
+          </p:txBody>
+        </p:sp>
+        <p:sp>
+          <p:nvSpPr>
+            <p:cNvPr id="6" name="Oval 5">
+              <a:extLst>
+                <a:ext uri="{FF2B5EF4-FFF2-40B4-BE49-F238E27FC236}">
+                  <a16:creationId xmlns:a16="http://schemas.microsoft.com/office/drawing/2014/main" id="{517627B0-CE6F-A14D-A093-DB93814B1B19}"/>
+                </a:ext>
+              </a:extLst>
+            </p:cNvPr>
+            <p:cNvSpPr/>
+            <p:nvPr/>
+          </p:nvSpPr>
+          <p:spPr>
+            <a:xfrm>
+              <a:off x="2706533" y="3054346"/>
+              <a:ext cx="914400" cy="914400"/>
+            </a:xfrm>
+            <a:prstGeom prst="ellipse">
+              <a:avLst/>
+            </a:prstGeom>
+          </p:spPr>
+          <p:style>
+            <a:lnRef idx="1">
+              <a:schemeClr val="accent4"/>
+            </a:lnRef>
+            <a:fillRef idx="2">
+              <a:schemeClr val="accent4"/>
+            </a:fillRef>
+            <a:effectRef idx="1">
+              <a:schemeClr val="accent4"/>
+            </a:effectRef>
+            <a:fontRef idx="minor">
+              <a:schemeClr val="dk1"/>
+            </a:fontRef>
+          </p:style>
+          <p:txBody>
+            <a:bodyPr rtlCol="0" anchor="ctr"/>
+            <a:lstStyle/>
+            <a:p>
+              <a:pPr algn="ctr"/>
+              <a:r>
+                <a:rPr lang="en-US" b="1" dirty="0"/>
+                <a:t>C</a:t>
+              </a:r>
+            </a:p>
+          </p:txBody>
+        </p:sp>
+        <p:sp>
+          <p:nvSpPr>
+            <p:cNvPr id="7" name="Oval 6">
+              <a:extLst>
+                <a:ext uri="{FF2B5EF4-FFF2-40B4-BE49-F238E27FC236}">
+                  <a16:creationId xmlns:a16="http://schemas.microsoft.com/office/drawing/2014/main" id="{719EB8CB-F1F9-3547-AB56-BC9B1290889C}"/>
+                </a:ext>
+              </a:extLst>
+            </p:cNvPr>
+            <p:cNvSpPr/>
+            <p:nvPr/>
+          </p:nvSpPr>
+          <p:spPr>
+            <a:xfrm>
+              <a:off x="2706533" y="4236760"/>
+              <a:ext cx="914400" cy="914400"/>
+            </a:xfrm>
+            <a:prstGeom prst="ellipse">
+              <a:avLst/>
+            </a:prstGeom>
+          </p:spPr>
+          <p:style>
+            <a:lnRef idx="1">
+              <a:schemeClr val="accent4"/>
+            </a:lnRef>
+            <a:fillRef idx="2">
+              <a:schemeClr val="accent4"/>
+            </a:fillRef>
+            <a:effectRef idx="1">
+              <a:schemeClr val="accent4"/>
+            </a:effectRef>
+            <a:fontRef idx="minor">
+              <a:schemeClr val="dk1"/>
+            </a:fontRef>
+          </p:style>
+          <p:txBody>
+            <a:bodyPr rtlCol="0" anchor="ctr"/>
+            <a:lstStyle/>
+            <a:p>
+              <a:pPr algn="ctr"/>
+              <a:r>
+                <a:rPr lang="en-US" b="1" dirty="0"/>
+                <a:t>D</a:t>
+              </a:r>
+            </a:p>
+          </p:txBody>
+        </p:sp>
+        <p:sp>
+          <p:nvSpPr>
+            <p:cNvPr id="8" name="Oval 7">
+              <a:extLst>
+                <a:ext uri="{FF2B5EF4-FFF2-40B4-BE49-F238E27FC236}">
+                  <a16:creationId xmlns:a16="http://schemas.microsoft.com/office/drawing/2014/main" id="{38FCEEF2-6CBC-1D4C-BC68-3FDBFD9661CA}"/>
+                </a:ext>
+              </a:extLst>
+            </p:cNvPr>
+            <p:cNvSpPr/>
+            <p:nvPr/>
+          </p:nvSpPr>
+          <p:spPr>
+            <a:xfrm>
+              <a:off x="693802" y="2329132"/>
+              <a:ext cx="914400" cy="914400"/>
+            </a:xfrm>
+            <a:prstGeom prst="ellipse">
+              <a:avLst/>
+            </a:prstGeom>
+          </p:spPr>
+          <p:style>
+            <a:lnRef idx="1">
+              <a:schemeClr val="accent4"/>
+            </a:lnRef>
+            <a:fillRef idx="2">
+              <a:schemeClr val="accent4"/>
+            </a:fillRef>
+            <a:effectRef idx="1">
+              <a:schemeClr val="accent4"/>
+            </a:effectRef>
+            <a:fontRef idx="minor">
+              <a:schemeClr val="dk1"/>
+            </a:fontRef>
+          </p:style>
+          <p:txBody>
+            <a:bodyPr rtlCol="0" anchor="ctr"/>
+            <a:lstStyle/>
+            <a:p>
+              <a:pPr algn="ctr"/>
+              <a:r>
+                <a:rPr lang="en-US" b="1" dirty="0"/>
+                <a:t>U</a:t>
+              </a:r>
+              <a:r>
+                <a:rPr lang="en-US" b="1" baseline="-25000" dirty="0"/>
+                <a:t>1..n</a:t>
+              </a:r>
+              <a:endParaRPr lang="en-US" b="1" dirty="0"/>
+            </a:p>
+          </p:txBody>
+        </p:sp>
+        <p:sp>
+          <p:nvSpPr>
+            <p:cNvPr id="14" name="Oval 13">
+              <a:extLst>
+                <a:ext uri="{FF2B5EF4-FFF2-40B4-BE49-F238E27FC236}">
+                  <a16:creationId xmlns:a16="http://schemas.microsoft.com/office/drawing/2014/main" id="{73C72C69-DD27-4949-9CBD-7D8DDBF3F17B}"/>
+                </a:ext>
+              </a:extLst>
+            </p:cNvPr>
+            <p:cNvSpPr/>
+            <p:nvPr/>
+          </p:nvSpPr>
+          <p:spPr>
+            <a:xfrm>
+              <a:off x="6569085" y="689518"/>
+              <a:ext cx="914400" cy="914400"/>
+            </a:xfrm>
+            <a:prstGeom prst="ellipse">
+              <a:avLst/>
+            </a:prstGeom>
+          </p:spPr>
+          <p:style>
+            <a:lnRef idx="1">
+              <a:schemeClr val="accent5"/>
+            </a:lnRef>
+            <a:fillRef idx="2">
+              <a:schemeClr val="accent5"/>
+            </a:fillRef>
+            <a:effectRef idx="1">
+              <a:schemeClr val="accent5"/>
+            </a:effectRef>
+            <a:fontRef idx="minor">
+              <a:schemeClr val="dk1"/>
+            </a:fontRef>
+          </p:style>
+          <p:txBody>
+            <a:bodyPr rtlCol="0" anchor="ctr"/>
+            <a:lstStyle/>
+            <a:p>
+              <a:pPr algn="ctr"/>
+              <a:r>
+                <a:rPr lang="en-US" b="1" dirty="0"/>
+                <a:t>A</a:t>
+              </a:r>
+            </a:p>
+          </p:txBody>
+        </p:sp>
+        <p:sp>
+          <p:nvSpPr>
+            <p:cNvPr id="15" name="Oval 14">
+              <a:extLst>
+                <a:ext uri="{FF2B5EF4-FFF2-40B4-BE49-F238E27FC236}">
+                  <a16:creationId xmlns:a16="http://schemas.microsoft.com/office/drawing/2014/main" id="{9C022FF6-8FC3-2B41-8088-22E65BD06DE0}"/>
+                </a:ext>
+              </a:extLst>
+            </p:cNvPr>
+            <p:cNvSpPr/>
+            <p:nvPr/>
+          </p:nvSpPr>
+          <p:spPr>
+            <a:xfrm>
+              <a:off x="6569085" y="1871932"/>
+              <a:ext cx="914400" cy="914400"/>
+            </a:xfrm>
+            <a:prstGeom prst="ellipse">
+              <a:avLst/>
+            </a:prstGeom>
+          </p:spPr>
+          <p:style>
+            <a:lnRef idx="1">
+              <a:schemeClr val="accent5"/>
+            </a:lnRef>
+            <a:fillRef idx="2">
+              <a:schemeClr val="accent5"/>
+            </a:fillRef>
+            <a:effectRef idx="1">
+              <a:schemeClr val="accent5"/>
+            </a:effectRef>
+            <a:fontRef idx="minor">
+              <a:schemeClr val="dk1"/>
+            </a:fontRef>
+          </p:style>
+          <p:txBody>
+            <a:bodyPr rtlCol="0" anchor="ctr"/>
+            <a:lstStyle/>
+            <a:p>
+              <a:pPr algn="ctr"/>
+              <a:r>
+                <a:rPr lang="en-US" b="1" dirty="0"/>
+                <a:t>B</a:t>
+              </a:r>
+            </a:p>
+          </p:txBody>
+        </p:sp>
+        <p:sp>
+          <p:nvSpPr>
+            <p:cNvPr id="16" name="Oval 15">
+              <a:extLst>
+                <a:ext uri="{FF2B5EF4-FFF2-40B4-BE49-F238E27FC236}">
+                  <a16:creationId xmlns:a16="http://schemas.microsoft.com/office/drawing/2014/main" id="{67433A7E-0A40-754B-B22B-3B0FA078AACF}"/>
+                </a:ext>
+              </a:extLst>
+            </p:cNvPr>
+            <p:cNvSpPr/>
+            <p:nvPr/>
+          </p:nvSpPr>
+          <p:spPr>
+            <a:xfrm>
+              <a:off x="6569085" y="3054346"/>
+              <a:ext cx="914400" cy="914400"/>
+            </a:xfrm>
+            <a:prstGeom prst="ellipse">
+              <a:avLst/>
+            </a:prstGeom>
+          </p:spPr>
+          <p:style>
+            <a:lnRef idx="1">
+              <a:schemeClr val="accent5"/>
+            </a:lnRef>
+            <a:fillRef idx="2">
+              <a:schemeClr val="accent5"/>
+            </a:fillRef>
+            <a:effectRef idx="1">
+              <a:schemeClr val="accent5"/>
+            </a:effectRef>
+            <a:fontRef idx="minor">
+              <a:schemeClr val="dk1"/>
+            </a:fontRef>
+          </p:style>
+          <p:txBody>
+            <a:bodyPr rtlCol="0" anchor="ctr"/>
+            <a:lstStyle/>
+            <a:p>
+              <a:pPr algn="ctr"/>
+              <a:r>
+                <a:rPr lang="en-US" b="1" dirty="0"/>
+                <a:t>C</a:t>
+              </a:r>
+            </a:p>
+          </p:txBody>
+        </p:sp>
+        <p:sp>
+          <p:nvSpPr>
+            <p:cNvPr id="17" name="Oval 16">
+              <a:extLst>
+                <a:ext uri="{FF2B5EF4-FFF2-40B4-BE49-F238E27FC236}">
+                  <a16:creationId xmlns:a16="http://schemas.microsoft.com/office/drawing/2014/main" id="{014B57B4-0719-BC48-9A10-6CC7923C20FC}"/>
+                </a:ext>
+              </a:extLst>
+            </p:cNvPr>
+            <p:cNvSpPr/>
+            <p:nvPr/>
+          </p:nvSpPr>
+          <p:spPr>
+            <a:xfrm>
+              <a:off x="6569085" y="4236760"/>
+              <a:ext cx="914400" cy="914400"/>
+            </a:xfrm>
+            <a:prstGeom prst="ellipse">
+              <a:avLst/>
+            </a:prstGeom>
+          </p:spPr>
+          <p:style>
+            <a:lnRef idx="1">
+              <a:schemeClr val="accent5"/>
+            </a:lnRef>
+            <a:fillRef idx="2">
+              <a:schemeClr val="accent5"/>
+            </a:fillRef>
+            <a:effectRef idx="1">
+              <a:schemeClr val="accent5"/>
+            </a:effectRef>
+            <a:fontRef idx="minor">
+              <a:schemeClr val="dk1"/>
+            </a:fontRef>
+          </p:style>
+          <p:txBody>
+            <a:bodyPr rtlCol="0" anchor="ctr"/>
+            <a:lstStyle/>
+            <a:p>
+              <a:pPr algn="ctr"/>
+              <a:r>
+                <a:rPr lang="en-US" b="1" dirty="0"/>
+                <a:t>D</a:t>
+              </a:r>
+            </a:p>
+          </p:txBody>
+        </p:sp>
+        <p:sp>
+          <p:nvSpPr>
+            <p:cNvPr id="18" name="Oval 17">
+              <a:extLst>
+                <a:ext uri="{FF2B5EF4-FFF2-40B4-BE49-F238E27FC236}">
+                  <a16:creationId xmlns:a16="http://schemas.microsoft.com/office/drawing/2014/main" id="{A5B99E91-1C29-C046-B065-67A452BCDA35}"/>
+                </a:ext>
+              </a:extLst>
+            </p:cNvPr>
+            <p:cNvSpPr/>
+            <p:nvPr/>
+          </p:nvSpPr>
+          <p:spPr>
+            <a:xfrm>
+              <a:off x="4556354" y="2329132"/>
+              <a:ext cx="914400" cy="914400"/>
+            </a:xfrm>
+            <a:prstGeom prst="ellipse">
+              <a:avLst/>
+            </a:prstGeom>
+          </p:spPr>
+          <p:style>
+            <a:lnRef idx="1">
+              <a:schemeClr val="accent4"/>
+            </a:lnRef>
+            <a:fillRef idx="2">
+              <a:schemeClr val="accent4"/>
+            </a:fillRef>
+            <a:effectRef idx="1">
+              <a:schemeClr val="accent4"/>
+            </a:effectRef>
+            <a:fontRef idx="minor">
+              <a:schemeClr val="dk1"/>
+            </a:fontRef>
+          </p:style>
+          <p:txBody>
+            <a:bodyPr rtlCol="0" anchor="ctr"/>
+            <a:lstStyle/>
+            <a:p>
+              <a:pPr algn="ctr"/>
+              <a:r>
+                <a:rPr lang="en-US" b="1" dirty="0"/>
+                <a:t>U</a:t>
+              </a:r>
+              <a:r>
+                <a:rPr lang="en-US" b="1" baseline="-25000" dirty="0"/>
+                <a:t>1..n</a:t>
+              </a:r>
+              <a:endParaRPr lang="en-US" b="1" dirty="0"/>
+            </a:p>
+          </p:txBody>
+        </p:sp>
+        <p:sp>
+          <p:nvSpPr>
+            <p:cNvPr id="37" name="Diamond 36">
+              <a:extLst>
+                <a:ext uri="{FF2B5EF4-FFF2-40B4-BE49-F238E27FC236}">
+                  <a16:creationId xmlns:a16="http://schemas.microsoft.com/office/drawing/2014/main" id="{3C7852E4-BBA0-0A4F-B4C8-3F5EB7D57508}"/>
+                </a:ext>
+              </a:extLst>
+            </p:cNvPr>
+            <p:cNvSpPr/>
+            <p:nvPr/>
+          </p:nvSpPr>
+          <p:spPr>
+            <a:xfrm>
+              <a:off x="1836588" y="2415843"/>
+              <a:ext cx="346842" cy="336331"/>
+            </a:xfrm>
+            <a:prstGeom prst="diamond">
+              <a:avLst/>
+            </a:prstGeom>
+          </p:spPr>
+          <p:style>
+            <a:lnRef idx="1">
+              <a:schemeClr val="accent5"/>
+            </a:lnRef>
+            <a:fillRef idx="2">
+              <a:schemeClr val="accent5"/>
+            </a:fillRef>
+            <a:effectRef idx="1">
+              <a:schemeClr val="accent5"/>
+            </a:effectRef>
+            <a:fontRef idx="minor">
+              <a:schemeClr val="dk1"/>
+            </a:fontRef>
+          </p:style>
+          <p:txBody>
+            <a:bodyPr rtlCol="0" anchor="ctr"/>
+            <a:lstStyle/>
+            <a:p>
+              <a:pPr algn="ctr"/>
+              <a:endParaRPr lang="en-US" b="1"/>
+            </a:p>
+          </p:txBody>
+        </p:sp>
+        <p:sp>
+          <p:nvSpPr>
+            <p:cNvPr id="38" name="Oval 37">
+              <a:extLst>
+                <a:ext uri="{FF2B5EF4-FFF2-40B4-BE49-F238E27FC236}">
+                  <a16:creationId xmlns:a16="http://schemas.microsoft.com/office/drawing/2014/main" id="{C744B89D-4F7D-A54E-9F53-895F9200E5D5}"/>
+                </a:ext>
+              </a:extLst>
+            </p:cNvPr>
+            <p:cNvSpPr/>
+            <p:nvPr/>
+          </p:nvSpPr>
+          <p:spPr>
+            <a:xfrm>
+              <a:off x="10292160" y="689518"/>
+              <a:ext cx="914400" cy="914400"/>
+            </a:xfrm>
+            <a:prstGeom prst="ellipse">
+              <a:avLst/>
+            </a:prstGeom>
+          </p:spPr>
+          <p:style>
+            <a:lnRef idx="1">
+              <a:schemeClr val="accent5"/>
+            </a:lnRef>
+            <a:fillRef idx="2">
+              <a:schemeClr val="accent5"/>
+            </a:fillRef>
+            <a:effectRef idx="1">
+              <a:schemeClr val="accent5"/>
+            </a:effectRef>
+            <a:fontRef idx="minor">
+              <a:schemeClr val="dk1"/>
+            </a:fontRef>
+          </p:style>
+          <p:txBody>
+            <a:bodyPr rtlCol="0" anchor="ctr"/>
+            <a:lstStyle/>
+            <a:p>
+              <a:pPr algn="ctr"/>
+              <a:r>
+                <a:rPr lang="en-US" b="1" dirty="0"/>
+                <a:t>A</a:t>
+              </a:r>
+            </a:p>
+          </p:txBody>
+        </p:sp>
+        <p:sp>
+          <p:nvSpPr>
+            <p:cNvPr id="39" name="Oval 38">
+              <a:extLst>
+                <a:ext uri="{FF2B5EF4-FFF2-40B4-BE49-F238E27FC236}">
+                  <a16:creationId xmlns:a16="http://schemas.microsoft.com/office/drawing/2014/main" id="{D90E74EA-DF5A-D742-871D-42E75970341A}"/>
+                </a:ext>
+              </a:extLst>
+            </p:cNvPr>
+            <p:cNvSpPr/>
+            <p:nvPr/>
+          </p:nvSpPr>
+          <p:spPr>
+            <a:xfrm>
+              <a:off x="10292160" y="1871932"/>
+              <a:ext cx="914400" cy="914400"/>
+            </a:xfrm>
+            <a:prstGeom prst="ellipse">
+              <a:avLst/>
+            </a:prstGeom>
+          </p:spPr>
+          <p:style>
+            <a:lnRef idx="1">
+              <a:schemeClr val="accent5"/>
+            </a:lnRef>
+            <a:fillRef idx="2">
+              <a:schemeClr val="accent5"/>
+            </a:fillRef>
+            <a:effectRef idx="1">
+              <a:schemeClr val="accent5"/>
+            </a:effectRef>
+            <a:fontRef idx="minor">
+              <a:schemeClr val="dk1"/>
+            </a:fontRef>
+          </p:style>
+          <p:txBody>
+            <a:bodyPr rtlCol="0" anchor="ctr"/>
+            <a:lstStyle/>
+            <a:p>
+              <a:pPr algn="ctr"/>
+              <a:r>
+                <a:rPr lang="en-US" b="1" dirty="0"/>
+                <a:t>B</a:t>
+              </a:r>
+            </a:p>
+          </p:txBody>
+        </p:sp>
+        <p:sp>
+          <p:nvSpPr>
+            <p:cNvPr id="40" name="Oval 39">
+              <a:extLst>
+                <a:ext uri="{FF2B5EF4-FFF2-40B4-BE49-F238E27FC236}">
+                  <a16:creationId xmlns:a16="http://schemas.microsoft.com/office/drawing/2014/main" id="{2870BB96-4795-0045-889A-D3B61F01297D}"/>
+                </a:ext>
+              </a:extLst>
+            </p:cNvPr>
+            <p:cNvSpPr/>
+            <p:nvPr/>
+          </p:nvSpPr>
+          <p:spPr>
+            <a:xfrm>
+              <a:off x="10292160" y="3054346"/>
+              <a:ext cx="914400" cy="914400"/>
+            </a:xfrm>
+            <a:prstGeom prst="ellipse">
+              <a:avLst/>
+            </a:prstGeom>
+          </p:spPr>
+          <p:style>
+            <a:lnRef idx="1">
+              <a:schemeClr val="accent5"/>
+            </a:lnRef>
+            <a:fillRef idx="2">
+              <a:schemeClr val="accent5"/>
+            </a:fillRef>
+            <a:effectRef idx="1">
+              <a:schemeClr val="accent5"/>
+            </a:effectRef>
+            <a:fontRef idx="minor">
+              <a:schemeClr val="dk1"/>
+            </a:fontRef>
+          </p:style>
+          <p:txBody>
+            <a:bodyPr rtlCol="0" anchor="ctr"/>
+            <a:lstStyle/>
+            <a:p>
+              <a:pPr algn="ctr"/>
+              <a:r>
+                <a:rPr lang="en-US" b="1" dirty="0"/>
+                <a:t>C</a:t>
+              </a:r>
+            </a:p>
+          </p:txBody>
+        </p:sp>
+        <p:sp>
+          <p:nvSpPr>
+            <p:cNvPr id="41" name="Oval 40">
+              <a:extLst>
+                <a:ext uri="{FF2B5EF4-FFF2-40B4-BE49-F238E27FC236}">
+                  <a16:creationId xmlns:a16="http://schemas.microsoft.com/office/drawing/2014/main" id="{5003BDE7-9BB0-BA44-8E9F-F4E2ABC8D927}"/>
+                </a:ext>
+              </a:extLst>
+            </p:cNvPr>
+            <p:cNvSpPr/>
+            <p:nvPr/>
+          </p:nvSpPr>
+          <p:spPr>
+            <a:xfrm>
+              <a:off x="10292160" y="4236760"/>
+              <a:ext cx="914400" cy="914400"/>
+            </a:xfrm>
+            <a:prstGeom prst="ellipse">
+              <a:avLst/>
+            </a:prstGeom>
+          </p:spPr>
+          <p:style>
+            <a:lnRef idx="1">
+              <a:schemeClr val="accent5"/>
+            </a:lnRef>
+            <a:fillRef idx="2">
+              <a:schemeClr val="accent5"/>
+            </a:fillRef>
+            <a:effectRef idx="1">
+              <a:schemeClr val="accent5"/>
+            </a:effectRef>
+            <a:fontRef idx="minor">
+              <a:schemeClr val="dk1"/>
+            </a:fontRef>
+          </p:style>
+          <p:txBody>
+            <a:bodyPr rtlCol="0" anchor="ctr"/>
+            <a:lstStyle/>
+            <a:p>
+              <a:pPr algn="ctr"/>
+              <a:r>
+                <a:rPr lang="en-US" b="1" dirty="0"/>
+                <a:t>D</a:t>
+              </a:r>
+            </a:p>
+          </p:txBody>
+        </p:sp>
+        <p:sp>
+          <p:nvSpPr>
+            <p:cNvPr id="42" name="Oval 41">
+              <a:extLst>
+                <a:ext uri="{FF2B5EF4-FFF2-40B4-BE49-F238E27FC236}">
+                  <a16:creationId xmlns:a16="http://schemas.microsoft.com/office/drawing/2014/main" id="{4E7916FE-6EA6-804E-B291-5FF0C0837123}"/>
+                </a:ext>
+              </a:extLst>
+            </p:cNvPr>
+            <p:cNvSpPr/>
+            <p:nvPr/>
+          </p:nvSpPr>
+          <p:spPr>
+            <a:xfrm>
+              <a:off x="8279429" y="2329132"/>
+              <a:ext cx="914400" cy="914400"/>
+            </a:xfrm>
+            <a:prstGeom prst="ellipse">
+              <a:avLst/>
+            </a:prstGeom>
+          </p:spPr>
+          <p:style>
+            <a:lnRef idx="1">
+              <a:schemeClr val="accent4"/>
+            </a:lnRef>
+            <a:fillRef idx="2">
+              <a:schemeClr val="accent4"/>
+            </a:fillRef>
+            <a:effectRef idx="1">
+              <a:schemeClr val="accent4"/>
+            </a:effectRef>
+            <a:fontRef idx="minor">
+              <a:schemeClr val="dk1"/>
+            </a:fontRef>
+          </p:style>
+          <p:txBody>
+            <a:bodyPr rtlCol="0" anchor="ctr"/>
+            <a:lstStyle/>
+            <a:p>
+              <a:pPr algn="ctr"/>
+              <a:r>
+                <a:rPr lang="en-US" b="1" dirty="0"/>
+                <a:t>U</a:t>
+              </a:r>
+              <a:r>
+                <a:rPr lang="en-US" b="1" baseline="-25000" dirty="0"/>
+                <a:t>1..n</a:t>
+              </a:r>
+              <a:endParaRPr lang="en-US" b="1" dirty="0"/>
+            </a:p>
+          </p:txBody>
+        </p:sp>
+        <p:cxnSp>
+          <p:nvCxnSpPr>
+            <p:cNvPr id="43" name="Elbow Connector 42">
+              <a:extLst>
+                <a:ext uri="{FF2B5EF4-FFF2-40B4-BE49-F238E27FC236}">
+                  <a16:creationId xmlns:a16="http://schemas.microsoft.com/office/drawing/2014/main" id="{751E9F9D-F9B5-4744-9B2B-D63080D4C828}"/>
+                </a:ext>
+              </a:extLst>
+            </p:cNvPr>
+            <p:cNvCxnSpPr>
+              <a:cxnSpLocks/>
+              <a:stCxn id="42" idx="6"/>
+              <a:endCxn id="38" idx="2"/>
+            </p:cNvCxnSpPr>
+            <p:nvPr/>
+          </p:nvCxnSpPr>
+          <p:spPr>
+            <a:xfrm flipV="1">
+              <a:off x="9193829" y="1146718"/>
+              <a:ext cx="1098331" cy="1639614"/>
+            </a:xfrm>
+            <a:prstGeom prst="bentConnector3">
+              <a:avLst>
+                <a:gd name="adj1" fmla="val 50000"/>
+              </a:avLst>
+            </a:prstGeom>
+            <a:ln w="38100">
+              <a:headEnd type="triangle"/>
+              <a:tailEnd type="triangle"/>
+            </a:ln>
+          </p:spPr>
+          <p:style>
+            <a:lnRef idx="1">
+              <a:schemeClr val="accent1"/>
+            </a:lnRef>
+            <a:fillRef idx="0">
+              <a:schemeClr val="accent1"/>
+            </a:fillRef>
+            <a:effectRef idx="0">
+              <a:schemeClr val="accent1"/>
+            </a:effectRef>
+            <a:fontRef idx="minor">
+              <a:schemeClr val="tx1"/>
+            </a:fontRef>
+          </p:style>
+        </p:cxnSp>
+        <p:cxnSp>
+          <p:nvCxnSpPr>
+            <p:cNvPr id="44" name="Elbow Connector 43">
+              <a:extLst>
+                <a:ext uri="{FF2B5EF4-FFF2-40B4-BE49-F238E27FC236}">
+                  <a16:creationId xmlns:a16="http://schemas.microsoft.com/office/drawing/2014/main" id="{042DB60F-2792-DF46-9DE9-3D84CD519059}"/>
+                </a:ext>
+              </a:extLst>
+            </p:cNvPr>
+            <p:cNvCxnSpPr>
+              <a:cxnSpLocks/>
+              <a:endCxn id="40" idx="2"/>
+            </p:cNvCxnSpPr>
+            <p:nvPr/>
+          </p:nvCxnSpPr>
+          <p:spPr>
+            <a:xfrm>
+              <a:off x="9193829" y="2786332"/>
+              <a:ext cx="1098331" cy="725214"/>
+            </a:xfrm>
+            <a:prstGeom prst="bentConnector3">
+              <a:avLst>
+                <a:gd name="adj1" fmla="val 50000"/>
+              </a:avLst>
+            </a:prstGeom>
+            <a:ln w="38100">
+              <a:headEnd type="triangle"/>
+              <a:tailEnd type="triangle"/>
+            </a:ln>
+          </p:spPr>
+          <p:style>
+            <a:lnRef idx="1">
+              <a:schemeClr val="accent1"/>
+            </a:lnRef>
+            <a:fillRef idx="0">
+              <a:schemeClr val="accent1"/>
+            </a:fillRef>
+            <a:effectRef idx="0">
+              <a:schemeClr val="accent1"/>
+            </a:effectRef>
+            <a:fontRef idx="minor">
+              <a:schemeClr val="tx1"/>
+            </a:fontRef>
+          </p:style>
+        </p:cxnSp>
+        <p:cxnSp>
+          <p:nvCxnSpPr>
+            <p:cNvPr id="45" name="Elbow Connector 44">
+              <a:extLst>
+                <a:ext uri="{FF2B5EF4-FFF2-40B4-BE49-F238E27FC236}">
+                  <a16:creationId xmlns:a16="http://schemas.microsoft.com/office/drawing/2014/main" id="{78BE438D-EAD5-5E4A-A5F5-DEDF8067F97C}"/>
+                </a:ext>
+              </a:extLst>
+            </p:cNvPr>
+            <p:cNvCxnSpPr>
+              <a:cxnSpLocks/>
+              <a:stCxn id="42" idx="6"/>
+              <a:endCxn id="39" idx="2"/>
+            </p:cNvCxnSpPr>
+            <p:nvPr/>
+          </p:nvCxnSpPr>
+          <p:spPr>
+            <a:xfrm flipV="1">
+              <a:off x="9193829" y="2329132"/>
+              <a:ext cx="1098331" cy="457200"/>
+            </a:xfrm>
+            <a:prstGeom prst="bentConnector3">
+              <a:avLst>
+                <a:gd name="adj1" fmla="val 50000"/>
+              </a:avLst>
+            </a:prstGeom>
+            <a:ln w="38100">
+              <a:headEnd type="triangle"/>
+              <a:tailEnd type="triangle"/>
+            </a:ln>
+          </p:spPr>
+          <p:style>
+            <a:lnRef idx="1">
+              <a:schemeClr val="accent1"/>
+            </a:lnRef>
+            <a:fillRef idx="0">
+              <a:schemeClr val="accent1"/>
+            </a:fillRef>
+            <a:effectRef idx="0">
+              <a:schemeClr val="accent1"/>
+            </a:effectRef>
+            <a:fontRef idx="minor">
+              <a:schemeClr val="tx1"/>
+            </a:fontRef>
+          </p:style>
+        </p:cxnSp>
+        <p:cxnSp>
+          <p:nvCxnSpPr>
+            <p:cNvPr id="46" name="Elbow Connector 45">
+              <a:extLst>
+                <a:ext uri="{FF2B5EF4-FFF2-40B4-BE49-F238E27FC236}">
+                  <a16:creationId xmlns:a16="http://schemas.microsoft.com/office/drawing/2014/main" id="{FA1FFBBA-4849-1642-8856-F367FBBE4137}"/>
+                </a:ext>
+              </a:extLst>
+            </p:cNvPr>
+            <p:cNvCxnSpPr>
+              <a:cxnSpLocks/>
+              <a:stCxn id="42" idx="6"/>
+              <a:endCxn id="41" idx="2"/>
+            </p:cNvCxnSpPr>
+            <p:nvPr/>
+          </p:nvCxnSpPr>
+          <p:spPr>
+            <a:xfrm>
+              <a:off x="9193829" y="2786332"/>
+              <a:ext cx="1098331" cy="1907628"/>
+            </a:xfrm>
+            <a:prstGeom prst="bentConnector3">
+              <a:avLst>
+                <a:gd name="adj1" fmla="val 50000"/>
+              </a:avLst>
+            </a:prstGeom>
+            <a:ln w="38100">
+              <a:headEnd type="triangle"/>
+              <a:tailEnd type="triangle"/>
+            </a:ln>
+          </p:spPr>
+          <p:style>
+            <a:lnRef idx="1">
+              <a:schemeClr val="accent1"/>
+            </a:lnRef>
+            <a:fillRef idx="0">
+              <a:schemeClr val="accent1"/>
+            </a:fillRef>
+            <a:effectRef idx="0">
+              <a:schemeClr val="accent1"/>
+            </a:effectRef>
+            <a:fontRef idx="minor">
+              <a:schemeClr val="tx1"/>
+            </a:fontRef>
+          </p:style>
+        </p:cxnSp>
+        <p:sp>
+          <p:nvSpPr>
+            <p:cNvPr id="48" name="TextBox 47">
+              <a:extLst>
+                <a:ext uri="{FF2B5EF4-FFF2-40B4-BE49-F238E27FC236}">
+                  <a16:creationId xmlns:a16="http://schemas.microsoft.com/office/drawing/2014/main" id="{B480B65B-3862-8346-A168-198EE582AA56}"/>
+                </a:ext>
+              </a:extLst>
+            </p:cNvPr>
+            <p:cNvSpPr txBox="1"/>
+            <p:nvPr/>
+          </p:nvSpPr>
+          <p:spPr>
+            <a:xfrm>
+              <a:off x="9468506" y="5491419"/>
+              <a:ext cx="1346394" cy="369332"/>
+            </a:xfrm>
+            <a:prstGeom prst="rect">
+              <a:avLst/>
+            </a:prstGeom>
+            <a:noFill/>
+          </p:spPr>
+          <p:txBody>
+            <a:bodyPr wrap="none" rtlCol="0">
+              <a:spAutoFit/>
+            </a:bodyPr>
+            <a:lstStyle/>
+            <a:p>
+              <a:r>
+                <a:rPr lang="en-US" dirty="0"/>
+                <a:t>Cooperation</a:t>
+              </a:r>
+            </a:p>
+          </p:txBody>
+        </p:sp>
+        <p:cxnSp>
+          <p:nvCxnSpPr>
+            <p:cNvPr id="53" name="Straight Arrow Connector 52">
+              <a:extLst>
+                <a:ext uri="{FF2B5EF4-FFF2-40B4-BE49-F238E27FC236}">
+                  <a16:creationId xmlns:a16="http://schemas.microsoft.com/office/drawing/2014/main" id="{EA835457-8FB9-BB47-8F5D-1911287D8E5A}"/>
+                </a:ext>
+              </a:extLst>
+            </p:cNvPr>
+            <p:cNvCxnSpPr>
+              <a:cxnSpLocks/>
+            </p:cNvCxnSpPr>
+            <p:nvPr/>
+          </p:nvCxnSpPr>
+          <p:spPr>
+            <a:xfrm flipH="1">
+              <a:off x="9193829" y="2957093"/>
+              <a:ext cx="534066" cy="0"/>
+            </a:xfrm>
+            <a:prstGeom prst="straightConnector1">
+              <a:avLst/>
+            </a:prstGeom>
+            <a:ln w="38100">
+              <a:solidFill>
+                <a:schemeClr val="accent1"/>
+              </a:solidFill>
+              <a:tailEnd type="triangle"/>
+            </a:ln>
+          </p:spPr>
+          <p:style>
+            <a:lnRef idx="3">
+              <a:schemeClr val="dk1"/>
+            </a:lnRef>
+            <a:fillRef idx="0">
+              <a:schemeClr val="dk1"/>
+            </a:fillRef>
+            <a:effectRef idx="2">
+              <a:schemeClr val="dk1"/>
+            </a:effectRef>
+            <a:fontRef idx="minor">
+              <a:schemeClr val="tx1"/>
+            </a:fontRef>
+          </p:style>
+        </p:cxnSp>
+        <p:cxnSp>
+          <p:nvCxnSpPr>
+            <p:cNvPr id="55" name="Straight Arrow Connector 54">
+              <a:extLst>
+                <a:ext uri="{FF2B5EF4-FFF2-40B4-BE49-F238E27FC236}">
+                  <a16:creationId xmlns:a16="http://schemas.microsoft.com/office/drawing/2014/main" id="{D054A042-7B4A-4240-9C1C-F48AE7E3A68E}"/>
+                </a:ext>
+              </a:extLst>
+            </p:cNvPr>
+            <p:cNvCxnSpPr>
+              <a:cxnSpLocks/>
+            </p:cNvCxnSpPr>
+            <p:nvPr/>
+          </p:nvCxnSpPr>
+          <p:spPr>
+            <a:xfrm flipH="1">
+              <a:off x="9201473" y="2613734"/>
+              <a:ext cx="534066" cy="0"/>
+            </a:xfrm>
+            <a:prstGeom prst="straightConnector1">
+              <a:avLst/>
+            </a:prstGeom>
+            <a:ln w="38100">
+              <a:solidFill>
+                <a:schemeClr val="accent1"/>
+              </a:solidFill>
+              <a:tailEnd type="triangle"/>
+            </a:ln>
+          </p:spPr>
+          <p:style>
+            <a:lnRef idx="3">
+              <a:schemeClr val="dk1"/>
+            </a:lnRef>
+            <a:fillRef idx="0">
+              <a:schemeClr val="dk1"/>
+            </a:fillRef>
+            <a:effectRef idx="2">
+              <a:schemeClr val="dk1"/>
+            </a:effectRef>
+            <a:fontRef idx="minor">
+              <a:schemeClr val="tx1"/>
+            </a:fontRef>
+          </p:style>
+        </p:cxnSp>
+        <p:cxnSp>
+          <p:nvCxnSpPr>
+            <p:cNvPr id="56" name="Straight Arrow Connector 55">
+              <a:extLst>
+                <a:ext uri="{FF2B5EF4-FFF2-40B4-BE49-F238E27FC236}">
+                  <a16:creationId xmlns:a16="http://schemas.microsoft.com/office/drawing/2014/main" id="{CA009CAE-AB70-204B-B8DC-90D3B76BFB7B}"/>
+                </a:ext>
+              </a:extLst>
+            </p:cNvPr>
+            <p:cNvCxnSpPr>
+              <a:cxnSpLocks/>
+            </p:cNvCxnSpPr>
+            <p:nvPr/>
+          </p:nvCxnSpPr>
+          <p:spPr>
+            <a:xfrm flipH="1">
+              <a:off x="9201473" y="3133363"/>
+              <a:ext cx="534066" cy="0"/>
+            </a:xfrm>
+            <a:prstGeom prst="straightConnector1">
+              <a:avLst/>
+            </a:prstGeom>
+            <a:ln w="38100">
+              <a:solidFill>
+                <a:schemeClr val="accent1"/>
+              </a:solidFill>
+              <a:tailEnd type="triangle"/>
+            </a:ln>
+          </p:spPr>
+          <p:style>
+            <a:lnRef idx="3">
+              <a:schemeClr val="dk1"/>
+            </a:lnRef>
+            <a:fillRef idx="0">
+              <a:schemeClr val="dk1"/>
+            </a:fillRef>
+            <a:effectRef idx="2">
+              <a:schemeClr val="dk1"/>
+            </a:effectRef>
+            <a:fontRef idx="minor">
+              <a:schemeClr val="tx1"/>
+            </a:fontRef>
+          </p:style>
+        </p:cxnSp>
+      </p:grpSp>
     </p:spTree>
     <p:extLst>
       <p:ext uri="{BB962C8B-B14F-4D97-AF65-F5344CB8AC3E}">
